--- a/lecture_1_intro.pptx
+++ b/lecture_1_intro.pptx
@@ -7,19 +7,20 @@
     <p:sldMasterId id="2147483663" r:id="rId3"/>
   </p:sldMasterIdLst>
   <p:notesMasterIdLst>
-    <p:notesMasterId r:id="rId11"/>
+    <p:notesMasterId r:id="rId12"/>
   </p:notesMasterIdLst>
   <p:handoutMasterIdLst>
-    <p:handoutMasterId r:id="rId12"/>
+    <p:handoutMasterId r:id="rId13"/>
   </p:handoutMasterIdLst>
   <p:sldIdLst>
     <p:sldId id="256" r:id="rId4"/>
     <p:sldId id="276" r:id="rId5"/>
     <p:sldId id="277" r:id="rId6"/>
-    <p:sldId id="278" r:id="rId7"/>
-    <p:sldId id="281" r:id="rId8"/>
-    <p:sldId id="280" r:id="rId9"/>
-    <p:sldId id="282" r:id="rId10"/>
+    <p:sldId id="283" r:id="rId7"/>
+    <p:sldId id="278" r:id="rId8"/>
+    <p:sldId id="281" r:id="rId9"/>
+    <p:sldId id="280" r:id="rId10"/>
+    <p:sldId id="282" r:id="rId11"/>
   </p:sldIdLst>
   <p:sldSz cx="9144000" cy="5143500" type="screen16x9"/>
   <p:notesSz cx="6858000" cy="9144000"/>
@@ -9507,7 +9508,7 @@
           </a:ln>
           <a:extLst>
             <a:ext uri="{C572A759-6A51-4108-AA02-DFA0A04FC94B}">
-              <ma14:wrappingTextBoxFlag xmlns:ma14="http://schemas.microsoft.com/office/mac/drawingml/2011/main" xmlns="" val="1"/>
+              <ma14:wrappingTextBoxFlag xmlns="" xmlns:ma14="http://schemas.microsoft.com/office/mac/drawingml/2011/main" val="1"/>
             </a:ext>
           </a:extLst>
         </p:spPr>
@@ -21892,6 +21893,316 @@
       </p:grpSpPr>
       <p:sp>
         <p:nvSpPr>
+          <p:cNvPr id="2" name="Rectangle: Rounded Corners 1">
+            <a:extLst>
+              <a:ext uri="{FF2B5EF4-FFF2-40B4-BE49-F238E27FC236}">
+                <a16:creationId xmlns:a16="http://schemas.microsoft.com/office/drawing/2014/main" id="{B56BCBB4-3C40-45F0-8C5D-4A241AFBA6BD}"/>
+              </a:ext>
+            </a:extLst>
+          </p:cNvPr>
+          <p:cNvSpPr/>
+          <p:nvPr/>
+        </p:nvSpPr>
+        <p:spPr>
+          <a:xfrm>
+            <a:off x="1135782" y="1926710"/>
+            <a:ext cx="2103034" cy="1290077"/>
+          </a:xfrm>
+          <a:prstGeom prst="roundRect">
+            <a:avLst/>
+          </a:prstGeom>
+        </p:spPr>
+        <p:style>
+          <a:lnRef idx="2">
+            <a:schemeClr val="accent3">
+              <a:shade val="50000"/>
+            </a:schemeClr>
+          </a:lnRef>
+          <a:fillRef idx="1">
+            <a:schemeClr val="accent3"/>
+          </a:fillRef>
+          <a:effectRef idx="0">
+            <a:schemeClr val="accent3"/>
+          </a:effectRef>
+          <a:fontRef idx="minor">
+            <a:schemeClr val="lt1"/>
+          </a:fontRef>
+        </p:style>
+        <p:txBody>
+          <a:bodyPr rtlCol="0" anchor="ctr"/>
+          <a:lstStyle/>
+          <a:p>
+            <a:pPr algn="ctr"/>
+            <a:endParaRPr lang="en-US" dirty="0"/>
+          </a:p>
+        </p:txBody>
+      </p:sp>
+      <p:sp>
+        <p:nvSpPr>
+          <p:cNvPr id="14" name="Arrow: Curved Right 13">
+            <a:extLst>
+              <a:ext uri="{FF2B5EF4-FFF2-40B4-BE49-F238E27FC236}">
+                <a16:creationId xmlns:a16="http://schemas.microsoft.com/office/drawing/2014/main" id="{F263A82B-5F15-46C6-8BD9-699C0267E226}"/>
+              </a:ext>
+            </a:extLst>
+          </p:cNvPr>
+          <p:cNvSpPr/>
+          <p:nvPr/>
+        </p:nvSpPr>
+        <p:spPr>
+          <a:xfrm rot="5400000">
+            <a:off x="4076300" y="-715427"/>
+            <a:ext cx="683394" cy="4254368"/>
+          </a:xfrm>
+          <a:prstGeom prst="curvedRightArrow">
+            <a:avLst/>
+          </a:prstGeom>
+        </p:spPr>
+        <p:style>
+          <a:lnRef idx="2">
+            <a:schemeClr val="accent2">
+              <a:shade val="50000"/>
+            </a:schemeClr>
+          </a:lnRef>
+          <a:fillRef idx="1">
+            <a:schemeClr val="accent2"/>
+          </a:fillRef>
+          <a:effectRef idx="0">
+            <a:schemeClr val="accent2"/>
+          </a:effectRef>
+          <a:fontRef idx="minor">
+            <a:schemeClr val="lt1"/>
+          </a:fontRef>
+        </p:style>
+        <p:txBody>
+          <a:bodyPr rtlCol="0" anchor="ctr"/>
+          <a:lstStyle/>
+          <a:p>
+            <a:pPr algn="ctr"/>
+            <a:endParaRPr lang="en-US">
+              <a:solidFill>
+                <a:schemeClr val="tx1"/>
+              </a:solidFill>
+            </a:endParaRPr>
+          </a:p>
+        </p:txBody>
+      </p:sp>
+      <p:sp>
+        <p:nvSpPr>
+          <p:cNvPr id="16" name="Arrow: Curved Right 15">
+            <a:extLst>
+              <a:ext uri="{FF2B5EF4-FFF2-40B4-BE49-F238E27FC236}">
+                <a16:creationId xmlns:a16="http://schemas.microsoft.com/office/drawing/2014/main" id="{DD1A935A-BA2D-4123-92BA-3F09E05EA596}"/>
+              </a:ext>
+            </a:extLst>
+          </p:cNvPr>
+          <p:cNvSpPr/>
+          <p:nvPr/>
+        </p:nvSpPr>
+        <p:spPr>
+          <a:xfrm rot="16200000">
+            <a:off x="4230303" y="1604554"/>
+            <a:ext cx="683394" cy="4254368"/>
+          </a:xfrm>
+          <a:prstGeom prst="curvedRightArrow">
+            <a:avLst/>
+          </a:prstGeom>
+        </p:spPr>
+        <p:style>
+          <a:lnRef idx="2">
+            <a:schemeClr val="accent2">
+              <a:shade val="50000"/>
+            </a:schemeClr>
+          </a:lnRef>
+          <a:fillRef idx="1">
+            <a:schemeClr val="accent2"/>
+          </a:fillRef>
+          <a:effectRef idx="0">
+            <a:schemeClr val="accent2"/>
+          </a:effectRef>
+          <a:fontRef idx="minor">
+            <a:schemeClr val="lt1"/>
+          </a:fontRef>
+        </p:style>
+        <p:txBody>
+          <a:bodyPr rtlCol="0" anchor="ctr"/>
+          <a:lstStyle/>
+          <a:p>
+            <a:pPr algn="ctr"/>
+            <a:endParaRPr lang="en-US">
+              <a:solidFill>
+                <a:schemeClr val="tx1"/>
+              </a:solidFill>
+            </a:endParaRPr>
+          </a:p>
+        </p:txBody>
+      </p:sp>
+      <p:pic>
+        <p:nvPicPr>
+          <p:cNvPr id="5" name="Graphic 4" descr="Man">
+            <a:extLst>
+              <a:ext uri="{FF2B5EF4-FFF2-40B4-BE49-F238E27FC236}">
+                <a16:creationId xmlns:a16="http://schemas.microsoft.com/office/drawing/2014/main" id="{4546A036-AA52-4911-BE94-FB6F0A3A8046}"/>
+              </a:ext>
+            </a:extLst>
+          </p:cNvPr>
+          <p:cNvPicPr>
+            <a:picLocks noChangeAspect="1"/>
+          </p:cNvPicPr>
+          <p:nvPr/>
+        </p:nvPicPr>
+        <p:blipFill>
+          <a:blip r:embed="rId2">
+            <a:extLst>
+              <a:ext uri="{28A0092B-C50C-407E-A947-70E740481C1C}">
+                <a14:useLocalDpi xmlns:a14="http://schemas.microsoft.com/office/drawing/2010/main" val="0"/>
+              </a:ext>
+              <a:ext uri="{96DAC541-7B7A-43D3-8B79-37D633B846F1}">
+                <asvg:svgBlip xmlns:asvg="http://schemas.microsoft.com/office/drawing/2016/SVG/main" r:embed="rId3"/>
+              </a:ext>
+            </a:extLst>
+          </a:blip>
+          <a:stretch>
+            <a:fillRect/>
+          </a:stretch>
+        </p:blipFill>
+        <p:spPr>
+          <a:xfrm>
+            <a:off x="5981926" y="1831298"/>
+            <a:ext cx="1434516" cy="1434516"/>
+          </a:xfrm>
+          <a:prstGeom prst="rect">
+            <a:avLst/>
+          </a:prstGeom>
+        </p:spPr>
+      </p:pic>
+      <p:sp>
+        <p:nvSpPr>
+          <p:cNvPr id="7" name="Thought Bubble: Cloud 6">
+            <a:extLst>
+              <a:ext uri="{FF2B5EF4-FFF2-40B4-BE49-F238E27FC236}">
+                <a16:creationId xmlns:a16="http://schemas.microsoft.com/office/drawing/2014/main" id="{9F93BDAA-921F-4ABB-9EA0-DAD7EE327249}"/>
+              </a:ext>
+            </a:extLst>
+          </p:cNvPr>
+          <p:cNvSpPr/>
+          <p:nvPr/>
+        </p:nvSpPr>
+        <p:spPr>
+          <a:xfrm>
+            <a:off x="6545181" y="630993"/>
+            <a:ext cx="1516912" cy="998234"/>
+          </a:xfrm>
+          <a:prstGeom prst="cloudCallout">
+            <a:avLst/>
+          </a:prstGeom>
+        </p:spPr>
+        <p:style>
+          <a:lnRef idx="2">
+            <a:schemeClr val="accent5"/>
+          </a:lnRef>
+          <a:fillRef idx="1">
+            <a:schemeClr val="lt1"/>
+          </a:fillRef>
+          <a:effectRef idx="0">
+            <a:schemeClr val="accent5"/>
+          </a:effectRef>
+          <a:fontRef idx="minor">
+            <a:schemeClr val="dk1"/>
+          </a:fontRef>
+        </p:style>
+        <p:txBody>
+          <a:bodyPr rtlCol="0" anchor="ctr"/>
+          <a:lstStyle/>
+          <a:p>
+            <a:pPr algn="ctr"/>
+            <a:endParaRPr lang="en-US"/>
+          </a:p>
+        </p:txBody>
+      </p:sp>
+      <p:pic>
+        <p:nvPicPr>
+          <p:cNvPr id="8" name="Graphic 7" descr="Question Mark">
+            <a:extLst>
+              <a:ext uri="{FF2B5EF4-FFF2-40B4-BE49-F238E27FC236}">
+                <a16:creationId xmlns:a16="http://schemas.microsoft.com/office/drawing/2014/main" id="{2BD9911B-D8DE-4BF1-896D-65E1AA21E78E}"/>
+              </a:ext>
+            </a:extLst>
+          </p:cNvPr>
+          <p:cNvPicPr>
+            <a:picLocks noChangeAspect="1"/>
+          </p:cNvPicPr>
+          <p:nvPr/>
+        </p:nvPicPr>
+        <p:blipFill>
+          <a:blip r:embed="rId4">
+            <a:extLst>
+              <a:ext uri="{28A0092B-C50C-407E-A947-70E740481C1C}">
+                <a14:useLocalDpi xmlns:a14="http://schemas.microsoft.com/office/drawing/2010/main" val="0"/>
+              </a:ext>
+              <a:ext uri="{96DAC541-7B7A-43D3-8B79-37D633B846F1}">
+                <asvg:svgBlip xmlns:asvg="http://schemas.microsoft.com/office/drawing/2016/SVG/main" r:embed="rId5"/>
+              </a:ext>
+            </a:extLst>
+          </a:blip>
+          <a:stretch>
+            <a:fillRect/>
+          </a:stretch>
+        </p:blipFill>
+        <p:spPr>
+          <a:xfrm>
+            <a:off x="6900530" y="772632"/>
+            <a:ext cx="744407" cy="744407"/>
+          </a:xfrm>
+          <a:prstGeom prst="rect">
+            <a:avLst/>
+          </a:prstGeom>
+        </p:spPr>
+      </p:pic>
+    </p:spTree>
+    <p:extLst>
+      <p:ext uri="{BB962C8B-B14F-4D97-AF65-F5344CB8AC3E}">
+        <p14:creationId xmlns:p14="http://schemas.microsoft.com/office/powerpoint/2010/main" val="3290697092"/>
+      </p:ext>
+    </p:extLst>
+  </p:cSld>
+  <p:clrMapOvr>
+    <a:masterClrMapping/>
+  </p:clrMapOvr>
+  <mc:AlternateContent xmlns:mc="http://schemas.openxmlformats.org/markup-compatibility/2006" xmlns:p159="http://schemas.microsoft.com/office/powerpoint/2015/09/main">
+    <mc:Choice Requires="p159">
+      <p:transition xmlns:p14="http://schemas.microsoft.com/office/powerpoint/2010/main" spd="slow" p14:dur="2000">
+        <p159:morph option="byObject"/>
+      </p:transition>
+    </mc:Choice>
+    <mc:Fallback xmlns="">
+      <p:transition spd="slow">
+        <p:fade/>
+      </p:transition>
+    </mc:Fallback>
+  </mc:AlternateContent>
+</p:sld>
+</file>
+
+<file path=ppt/slides/slide5.xml><?xml version="1.0" encoding="utf-8"?>
+<p:sld xmlns:a="http://schemas.openxmlformats.org/drawingml/2006/main" xmlns:r="http://schemas.openxmlformats.org/officeDocument/2006/relationships" xmlns:p="http://schemas.openxmlformats.org/presentationml/2006/main">
+  <p:cSld>
+    <p:spTree>
+      <p:nvGrpSpPr>
+        <p:cNvPr id="1" name=""/>
+        <p:cNvGrpSpPr/>
+        <p:nvPr/>
+      </p:nvGrpSpPr>
+      <p:grpSpPr>
+        <a:xfrm>
+          <a:off x="0" y="0"/>
+          <a:ext cx="0" cy="0"/>
+          <a:chOff x="0" y="0"/>
+          <a:chExt cx="0" cy="0"/>
+        </a:xfrm>
+      </p:grpSpPr>
+      <p:sp>
+        <p:nvSpPr>
           <p:cNvPr id="4" name="Rectangle: Rounded Corners 3">
             <a:extLst>
               <a:ext uri="{FF2B5EF4-FFF2-40B4-BE49-F238E27FC236}">
@@ -22217,22 +22528,105 @@
   <p:clrMapOvr>
     <a:masterClrMapping/>
   </p:clrMapOvr>
-  <mc:AlternateContent xmlns:mc="http://schemas.openxmlformats.org/markup-compatibility/2006">
-    <mc:Choice xmlns:p159="http://schemas.microsoft.com/office/powerpoint/2015/09/main" Requires="p159">
+  <mc:AlternateContent xmlns:mc="http://schemas.openxmlformats.org/markup-compatibility/2006" xmlns:p159="http://schemas.microsoft.com/office/powerpoint/2015/09/main">
+    <mc:Choice Requires="p159">
       <p:transition xmlns:p14="http://schemas.microsoft.com/office/powerpoint/2010/main" spd="slow" p14:dur="2000">
         <p159:morph option="byObject"/>
       </p:transition>
     </mc:Choice>
-    <mc:Fallback>
+    <mc:Fallback xmlns="">
       <p:transition spd="slow">
         <p:fade/>
       </p:transition>
     </mc:Fallback>
   </mc:AlternateContent>
+  <p:timing>
+    <p:tnLst>
+      <p:par>
+        <p:cTn id="1" dur="indefinite" restart="never" nodeType="tmRoot">
+          <p:childTnLst>
+            <p:seq concurrent="1" nextAc="seek">
+              <p:cTn id="2" dur="indefinite" nodeType="mainSeq">
+                <p:childTnLst>
+                  <p:par>
+                    <p:cTn id="3" fill="hold">
+                      <p:stCondLst>
+                        <p:cond delay="indefinite"/>
+                      </p:stCondLst>
+                      <p:childTnLst>
+                        <p:par>
+                          <p:cTn id="4" fill="hold">
+                            <p:stCondLst>
+                              <p:cond delay="0"/>
+                            </p:stCondLst>
+                            <p:childTnLst>
+                              <p:par>
+                                <p:cTn id="5" presetID="10" presetClass="entr" presetSubtype="0" fill="hold" nodeType="clickEffect">
+                                  <p:stCondLst>
+                                    <p:cond delay="0"/>
+                                  </p:stCondLst>
+                                  <p:childTnLst>
+                                    <p:set>
+                                      <p:cBhvr>
+                                        <p:cTn id="6" dur="1" fill="hold">
+                                          <p:stCondLst>
+                                            <p:cond delay="0"/>
+                                          </p:stCondLst>
+                                        </p:cTn>
+                                        <p:tgtEl>
+                                          <p:spTgt spid="1026"/>
+                                        </p:tgtEl>
+                                        <p:attrNameLst>
+                                          <p:attrName>style.visibility</p:attrName>
+                                        </p:attrNameLst>
+                                      </p:cBhvr>
+                                      <p:to>
+                                        <p:strVal val="visible"/>
+                                      </p:to>
+                                    </p:set>
+                                    <p:animEffect transition="in" filter="fade">
+                                      <p:cBhvr>
+                                        <p:cTn id="7" dur="500"/>
+                                        <p:tgtEl>
+                                          <p:spTgt spid="1026"/>
+                                        </p:tgtEl>
+                                      </p:cBhvr>
+                                    </p:animEffect>
+                                  </p:childTnLst>
+                                </p:cTn>
+                              </p:par>
+                            </p:childTnLst>
+                          </p:cTn>
+                        </p:par>
+                      </p:childTnLst>
+                    </p:cTn>
+                  </p:par>
+                </p:childTnLst>
+              </p:cTn>
+              <p:prevCondLst>
+                <p:cond evt="onPrev" delay="0">
+                  <p:tgtEl>
+                    <p:sldTgt/>
+                  </p:tgtEl>
+                </p:cond>
+              </p:prevCondLst>
+              <p:nextCondLst>
+                <p:cond evt="onNext" delay="0">
+                  <p:tgtEl>
+                    <p:sldTgt/>
+                  </p:tgtEl>
+                </p:cond>
+              </p:nextCondLst>
+            </p:seq>
+          </p:childTnLst>
+        </p:cTn>
+      </p:par>
+    </p:tnLst>
+  </p:timing>
 </p:sld>
 </file>
 
-<file path=ppt/slides/slide5.xml><?xml version="1.0" encoding="utf-8"?>
+<file path=ppt/slides/slide6.xml><?xml version="1.0" encoding="utf-8"?>
 <p:sld xmlns:a="http://schemas.openxmlformats.org/drawingml/2006/main" xmlns:r="http://schemas.openxmlformats.org/officeDocument/2006/relationships" xmlns:p="http://schemas.openxmlformats.org/presentationml/2006/main">
   <p:cSld>
     <p:spTree>
@@ -22535,13 +22929,13 @@
   <p:clrMapOvr>
     <a:masterClrMapping/>
   </p:clrMapOvr>
-  <mc:AlternateContent xmlns:mc="http://schemas.openxmlformats.org/markup-compatibility/2006">
-    <mc:Choice xmlns:p159="http://schemas.microsoft.com/office/powerpoint/2015/09/main" Requires="p159">
+  <mc:AlternateContent xmlns:mc="http://schemas.openxmlformats.org/markup-compatibility/2006" xmlns:p159="http://schemas.microsoft.com/office/powerpoint/2015/09/main">
+    <mc:Choice Requires="p159">
       <p:transition xmlns:p14="http://schemas.microsoft.com/office/powerpoint/2010/main" spd="slow" p14:dur="2000">
         <p159:morph option="byObject"/>
       </p:transition>
     </mc:Choice>
-    <mc:Fallback>
+    <mc:Fallback xmlns="">
       <p:transition spd="slow">
         <p:fade/>
       </p:transition>
@@ -22550,7 +22944,7 @@
 </p:sld>
 </file>
 
-<file path=ppt/slides/slide6.xml><?xml version="1.0" encoding="utf-8"?>
+<file path=ppt/slides/slide7.xml><?xml version="1.0" encoding="utf-8"?>
 <p:sld xmlns:a="http://schemas.openxmlformats.org/drawingml/2006/main" xmlns:r="http://schemas.openxmlformats.org/officeDocument/2006/relationships" xmlns:p="http://schemas.openxmlformats.org/presentationml/2006/main">
   <p:cSld>
     <p:spTree>
@@ -22611,1030 +23005,967 @@
           </a:p>
         </p:txBody>
       </p:sp>
-      <p:grpSp>
-        <p:nvGrpSpPr>
-          <p:cNvPr id="5" name="Group 4">
+      <p:sp>
+        <p:nvSpPr>
+          <p:cNvPr id="4" name="Rectangle: Rounded Corners 3">
             <a:extLst>
               <a:ext uri="{FF2B5EF4-FFF2-40B4-BE49-F238E27FC236}">
-                <a16:creationId xmlns:a16="http://schemas.microsoft.com/office/drawing/2014/main" id="{C5635D05-2D4B-42EE-A011-BF1045BBCE25}"/>
+                <a16:creationId xmlns:a16="http://schemas.microsoft.com/office/drawing/2014/main" id="{E6DE757B-01B2-4364-B47C-114A1813E424}"/>
               </a:ext>
             </a:extLst>
           </p:cNvPr>
-          <p:cNvGrpSpPr/>
+          <p:cNvSpPr/>
           <p:nvPr/>
-        </p:nvGrpSpPr>
-        <p:grpSpPr>
+        </p:nvSpPr>
+        <p:spPr>
           <a:xfrm>
-            <a:off x="1135782" y="1070060"/>
-            <a:ext cx="3234087" cy="1433429"/>
-            <a:chOff x="1135782" y="1070060"/>
-            <a:chExt cx="6776184" cy="3003375"/>
+            <a:off x="3366148" y="1478915"/>
+            <a:ext cx="1003721" cy="615719"/>
           </a:xfrm>
-        </p:grpSpPr>
-        <p:sp>
-          <p:nvSpPr>
-            <p:cNvPr id="4" name="Rectangle: Rounded Corners 3">
-              <a:extLst>
-                <a:ext uri="{FF2B5EF4-FFF2-40B4-BE49-F238E27FC236}">
-                  <a16:creationId xmlns:a16="http://schemas.microsoft.com/office/drawing/2014/main" id="{E6DE757B-01B2-4364-B47C-114A1813E424}"/>
-                </a:ext>
-              </a:extLst>
-            </p:cNvPr>
-            <p:cNvSpPr/>
-            <p:nvPr/>
-          </p:nvSpPr>
-          <p:spPr>
-            <a:xfrm>
-              <a:off x="5808932" y="1926709"/>
-              <a:ext cx="2103034" cy="1290077"/>
-            </a:xfrm>
-            <a:prstGeom prst="roundRect">
-              <a:avLst/>
-            </a:prstGeom>
-          </p:spPr>
-          <p:style>
-            <a:lnRef idx="2">
-              <a:schemeClr val="accent4">
-                <a:shade val="50000"/>
-              </a:schemeClr>
-            </a:lnRef>
-            <a:fillRef idx="1">
-              <a:schemeClr val="accent4"/>
-            </a:fillRef>
-            <a:effectRef idx="0">
-              <a:schemeClr val="accent4"/>
-            </a:effectRef>
-            <a:fontRef idx="minor">
-              <a:schemeClr val="lt1"/>
-            </a:fontRef>
-          </p:style>
-          <p:txBody>
-            <a:bodyPr rtlCol="0" anchor="ctr"/>
-            <a:lstStyle/>
-            <a:p>
-              <a:pPr algn="ctr"/>
-              <a:endParaRPr lang="en-US" dirty="0"/>
-            </a:p>
-          </p:txBody>
-        </p:sp>
-        <p:sp>
-          <p:nvSpPr>
-            <p:cNvPr id="2" name="Rectangle: Rounded Corners 1">
-              <a:extLst>
-                <a:ext uri="{FF2B5EF4-FFF2-40B4-BE49-F238E27FC236}">
-                  <a16:creationId xmlns:a16="http://schemas.microsoft.com/office/drawing/2014/main" id="{B56BCBB4-3C40-45F0-8C5D-4A241AFBA6BD}"/>
-                </a:ext>
-              </a:extLst>
-            </p:cNvPr>
-            <p:cNvSpPr/>
-            <p:nvPr/>
-          </p:nvSpPr>
-          <p:spPr>
-            <a:xfrm>
-              <a:off x="1135782" y="1926710"/>
-              <a:ext cx="2103034" cy="1290077"/>
-            </a:xfrm>
-            <a:prstGeom prst="roundRect">
-              <a:avLst/>
-            </a:prstGeom>
-          </p:spPr>
-          <p:style>
-            <a:lnRef idx="2">
-              <a:schemeClr val="accent3">
-                <a:shade val="50000"/>
-              </a:schemeClr>
-            </a:lnRef>
-            <a:fillRef idx="1">
-              <a:schemeClr val="accent3"/>
-            </a:fillRef>
-            <a:effectRef idx="0">
-              <a:schemeClr val="accent3"/>
-            </a:effectRef>
-            <a:fontRef idx="minor">
-              <a:schemeClr val="lt1"/>
-            </a:fontRef>
-          </p:style>
-          <p:txBody>
-            <a:bodyPr rtlCol="0" anchor="ctr"/>
-            <a:lstStyle/>
-            <a:p>
-              <a:pPr algn="ctr"/>
-              <a:r>
-                <a:rPr lang="en-US" dirty="0"/>
-                <a:t>User</a:t>
-              </a:r>
-            </a:p>
-          </p:txBody>
-        </p:sp>
-        <p:sp>
-          <p:nvSpPr>
-            <p:cNvPr id="14" name="Arrow: Curved Right 13">
-              <a:extLst>
-                <a:ext uri="{FF2B5EF4-FFF2-40B4-BE49-F238E27FC236}">
-                  <a16:creationId xmlns:a16="http://schemas.microsoft.com/office/drawing/2014/main" id="{F263A82B-5F15-46C6-8BD9-699C0267E226}"/>
-                </a:ext>
-              </a:extLst>
-            </p:cNvPr>
-            <p:cNvSpPr/>
-            <p:nvPr/>
-          </p:nvSpPr>
-          <p:spPr>
-            <a:xfrm rot="5400000">
-              <a:off x="4076300" y="-715427"/>
-              <a:ext cx="683394" cy="4254368"/>
-            </a:xfrm>
-            <a:prstGeom prst="curvedRightArrow">
-              <a:avLst/>
-            </a:prstGeom>
-          </p:spPr>
-          <p:style>
-            <a:lnRef idx="2">
-              <a:schemeClr val="accent2">
-                <a:shade val="50000"/>
-              </a:schemeClr>
-            </a:lnRef>
-            <a:fillRef idx="1">
-              <a:schemeClr val="accent2"/>
-            </a:fillRef>
-            <a:effectRef idx="0">
-              <a:schemeClr val="accent2"/>
-            </a:effectRef>
-            <a:fontRef idx="minor">
-              <a:schemeClr val="lt1"/>
-            </a:fontRef>
-          </p:style>
-          <p:txBody>
-            <a:bodyPr rtlCol="0" anchor="ctr"/>
-            <a:lstStyle/>
-            <a:p>
-              <a:pPr algn="ctr"/>
-              <a:endParaRPr lang="en-US">
-                <a:solidFill>
-                  <a:schemeClr val="tx1"/>
-                </a:solidFill>
-              </a:endParaRPr>
-            </a:p>
-          </p:txBody>
-        </p:sp>
-        <p:sp>
-          <p:nvSpPr>
-            <p:cNvPr id="16" name="Arrow: Curved Right 15">
-              <a:extLst>
-                <a:ext uri="{FF2B5EF4-FFF2-40B4-BE49-F238E27FC236}">
-                  <a16:creationId xmlns:a16="http://schemas.microsoft.com/office/drawing/2014/main" id="{DD1A935A-BA2D-4123-92BA-3F09E05EA596}"/>
-                </a:ext>
-              </a:extLst>
-            </p:cNvPr>
-            <p:cNvSpPr/>
-            <p:nvPr/>
-          </p:nvSpPr>
-          <p:spPr>
-            <a:xfrm rot="16200000">
-              <a:off x="4230303" y="1604554"/>
-              <a:ext cx="683394" cy="4254368"/>
-            </a:xfrm>
-            <a:prstGeom prst="curvedRightArrow">
-              <a:avLst/>
-            </a:prstGeom>
-          </p:spPr>
-          <p:style>
-            <a:lnRef idx="2">
-              <a:schemeClr val="accent2">
-                <a:shade val="50000"/>
-              </a:schemeClr>
-            </a:lnRef>
-            <a:fillRef idx="1">
-              <a:schemeClr val="accent2"/>
-            </a:fillRef>
-            <a:effectRef idx="0">
-              <a:schemeClr val="accent2"/>
-            </a:effectRef>
-            <a:fontRef idx="minor">
-              <a:schemeClr val="lt1"/>
-            </a:fontRef>
-          </p:style>
-          <p:txBody>
-            <a:bodyPr rtlCol="0" anchor="ctr"/>
-            <a:lstStyle/>
-            <a:p>
-              <a:pPr algn="ctr"/>
-              <a:endParaRPr lang="en-US">
-                <a:solidFill>
-                  <a:schemeClr val="tx1"/>
-                </a:solidFill>
-              </a:endParaRPr>
-            </a:p>
-          </p:txBody>
-        </p:sp>
-        <p:pic>
-          <p:nvPicPr>
-            <p:cNvPr id="1026" name="Picture 2" descr="JUnit – About">
-              <a:extLst>
-                <a:ext uri="{FF2B5EF4-FFF2-40B4-BE49-F238E27FC236}">
-                  <a16:creationId xmlns:a16="http://schemas.microsoft.com/office/drawing/2014/main" id="{7479D8AD-C8B5-48CE-8262-55CEF8FD9B2D}"/>
-                </a:ext>
-              </a:extLst>
-            </p:cNvPr>
-            <p:cNvPicPr>
-              <a:picLocks noChangeAspect="1" noChangeArrowheads="1"/>
-            </p:cNvPicPr>
-            <p:nvPr/>
-          </p:nvPicPr>
-          <p:blipFill>
-            <a:blip r:embed="rId2" cstate="print">
-              <a:extLst>
-                <a:ext uri="{28A0092B-C50C-407E-A947-70E740481C1C}">
-                  <a14:useLocalDpi xmlns:a14="http://schemas.microsoft.com/office/drawing/2010/main" val="0"/>
-                </a:ext>
-              </a:extLst>
-            </a:blip>
-            <a:srcRect/>
-            <a:stretch>
-              <a:fillRect/>
-            </a:stretch>
-          </p:blipFill>
-          <p:spPr bwMode="auto">
-            <a:xfrm>
-              <a:off x="5984550" y="2304111"/>
-              <a:ext cx="1751798" cy="535272"/>
-            </a:xfrm>
-            <a:prstGeom prst="rect">
-              <a:avLst/>
-            </a:prstGeom>
-            <a:noFill/>
-            <a:extLst>
-              <a:ext uri="{909E8E84-426E-40DD-AFC4-6F175D3DCCD1}">
-                <a14:hiddenFill xmlns:a14="http://schemas.microsoft.com/office/drawing/2010/main">
-                  <a:solidFill>
-                    <a:srgbClr val="FFFFFF"/>
-                  </a:solidFill>
-                </a14:hiddenFill>
-              </a:ext>
-            </a:extLst>
-          </p:spPr>
-        </p:pic>
-        <p:pic>
-          <p:nvPicPr>
-            <p:cNvPr id="20" name="Graphic 19" descr="Exclamation mark">
-              <a:extLst>
-                <a:ext uri="{FF2B5EF4-FFF2-40B4-BE49-F238E27FC236}">
-                  <a16:creationId xmlns:a16="http://schemas.microsoft.com/office/drawing/2014/main" id="{EDE693EE-A937-4358-A4B4-0B4DD6F8F6C3}"/>
-                </a:ext>
-              </a:extLst>
-            </p:cNvPr>
-            <p:cNvPicPr>
-              <a:picLocks noChangeAspect="1"/>
-            </p:cNvPicPr>
-            <p:nvPr/>
-          </p:nvPicPr>
-          <p:blipFill>
-            <a:blip r:embed="rId3">
-              <a:extLst>
-                <a:ext uri="{28A0092B-C50C-407E-A947-70E740481C1C}">
-                  <a14:useLocalDpi xmlns:a14="http://schemas.microsoft.com/office/drawing/2010/main" val="0"/>
-                </a:ext>
-                <a:ext uri="{96DAC541-7B7A-43D3-8B79-37D633B846F1}">
-                  <asvg:svgBlip xmlns:asvg="http://schemas.microsoft.com/office/drawing/2016/SVG/main" r:embed="rId4"/>
-                </a:ext>
-              </a:extLst>
-            </a:blip>
-            <a:stretch>
-              <a:fillRect/>
-            </a:stretch>
-          </p:blipFill>
-          <p:spPr>
-            <a:xfrm>
-              <a:off x="4114800" y="3141586"/>
-              <a:ext cx="914400" cy="914400"/>
-            </a:xfrm>
-            <a:prstGeom prst="rect">
-              <a:avLst/>
-            </a:prstGeom>
-          </p:spPr>
-        </p:pic>
-        <p:pic>
-          <p:nvPicPr>
-            <p:cNvPr id="22" name="Graphic 21" descr="Question Mark">
-              <a:extLst>
-                <a:ext uri="{FF2B5EF4-FFF2-40B4-BE49-F238E27FC236}">
-                  <a16:creationId xmlns:a16="http://schemas.microsoft.com/office/drawing/2014/main" id="{269BE64B-0B5C-4536-91F4-08C24BC3C0AD}"/>
-                </a:ext>
-              </a:extLst>
-            </p:cNvPr>
-            <p:cNvPicPr>
-              <a:picLocks noChangeAspect="1"/>
-            </p:cNvPicPr>
-            <p:nvPr/>
-          </p:nvPicPr>
-          <p:blipFill>
-            <a:blip r:embed="rId5">
-              <a:extLst>
-                <a:ext uri="{28A0092B-C50C-407E-A947-70E740481C1C}">
-                  <a14:useLocalDpi xmlns:a14="http://schemas.microsoft.com/office/drawing/2010/main" val="0"/>
-                </a:ext>
-                <a:ext uri="{96DAC541-7B7A-43D3-8B79-37D633B846F1}">
-                  <asvg:svgBlip xmlns:asvg="http://schemas.microsoft.com/office/drawing/2016/SVG/main" r:embed="rId6"/>
-                </a:ext>
-              </a:extLst>
-            </a:blip>
-            <a:stretch>
-              <a:fillRect/>
-            </a:stretch>
-          </p:blipFill>
-          <p:spPr>
-            <a:xfrm>
-              <a:off x="4114800" y="1087509"/>
-              <a:ext cx="914400" cy="914400"/>
-            </a:xfrm>
-            <a:prstGeom prst="rect">
-              <a:avLst/>
-            </a:prstGeom>
-          </p:spPr>
-        </p:pic>
-      </p:grpSp>
-      <p:grpSp>
-        <p:nvGrpSpPr>
-          <p:cNvPr id="12" name="Group 11">
+          <a:prstGeom prst="roundRect">
+            <a:avLst/>
+          </a:prstGeom>
+        </p:spPr>
+        <p:style>
+          <a:lnRef idx="2">
+            <a:schemeClr val="accent4">
+              <a:shade val="50000"/>
+            </a:schemeClr>
+          </a:lnRef>
+          <a:fillRef idx="1">
+            <a:schemeClr val="accent4"/>
+          </a:fillRef>
+          <a:effectRef idx="0">
+            <a:schemeClr val="accent4"/>
+          </a:effectRef>
+          <a:fontRef idx="minor">
+            <a:schemeClr val="lt1"/>
+          </a:fontRef>
+        </p:style>
+        <p:txBody>
+          <a:bodyPr rtlCol="0" anchor="ctr"/>
+          <a:lstStyle/>
+          <a:p>
+            <a:pPr algn="ctr"/>
+            <a:endParaRPr lang="en-US" dirty="0"/>
+          </a:p>
+        </p:txBody>
+      </p:sp>
+      <p:sp>
+        <p:nvSpPr>
+          <p:cNvPr id="2" name="Rectangle: Rounded Corners 1">
             <a:extLst>
               <a:ext uri="{FF2B5EF4-FFF2-40B4-BE49-F238E27FC236}">
-                <a16:creationId xmlns:a16="http://schemas.microsoft.com/office/drawing/2014/main" id="{54027332-44CA-4E51-8233-A927DF82C6FD}"/>
+                <a16:creationId xmlns:a16="http://schemas.microsoft.com/office/drawing/2014/main" id="{B56BCBB4-3C40-45F0-8C5D-4A241AFBA6BD}"/>
               </a:ext>
             </a:extLst>
           </p:cNvPr>
-          <p:cNvGrpSpPr/>
+          <p:cNvSpPr/>
           <p:nvPr/>
-        </p:nvGrpSpPr>
-        <p:grpSpPr>
+        </p:nvSpPr>
+        <p:spPr>
           <a:xfrm>
-            <a:off x="4848486" y="1560237"/>
-            <a:ext cx="3234087" cy="1433429"/>
-            <a:chOff x="1135782" y="1070060"/>
-            <a:chExt cx="6776184" cy="3003375"/>
+            <a:off x="1135782" y="1478916"/>
+            <a:ext cx="1003721" cy="615719"/>
           </a:xfrm>
-        </p:grpSpPr>
-        <p:sp>
-          <p:nvSpPr>
-            <p:cNvPr id="13" name="Rectangle: Rounded Corners 12">
-              <a:extLst>
-                <a:ext uri="{FF2B5EF4-FFF2-40B4-BE49-F238E27FC236}">
-                  <a16:creationId xmlns:a16="http://schemas.microsoft.com/office/drawing/2014/main" id="{4461D52F-A52D-4A4C-9641-BEFFFB4BD988}"/>
-                </a:ext>
-              </a:extLst>
-            </p:cNvPr>
-            <p:cNvSpPr/>
-            <p:nvPr/>
-          </p:nvSpPr>
-          <p:spPr>
-            <a:xfrm>
-              <a:off x="5808932" y="1926709"/>
-              <a:ext cx="2103034" cy="1290077"/>
-            </a:xfrm>
-            <a:prstGeom prst="roundRect">
-              <a:avLst/>
-            </a:prstGeom>
-          </p:spPr>
-          <p:style>
-            <a:lnRef idx="2">
-              <a:schemeClr val="accent4">
-                <a:shade val="50000"/>
-              </a:schemeClr>
-            </a:lnRef>
-            <a:fillRef idx="1">
-              <a:schemeClr val="accent4"/>
-            </a:fillRef>
-            <a:effectRef idx="0">
-              <a:schemeClr val="accent4"/>
-            </a:effectRef>
-            <a:fontRef idx="minor">
-              <a:schemeClr val="lt1"/>
-            </a:fontRef>
-          </p:style>
-          <p:txBody>
-            <a:bodyPr rtlCol="0" anchor="ctr"/>
-            <a:lstStyle/>
-            <a:p>
-              <a:pPr algn="ctr"/>
-              <a:endParaRPr lang="en-US" dirty="0"/>
-            </a:p>
-          </p:txBody>
-        </p:sp>
-        <p:sp>
-          <p:nvSpPr>
-            <p:cNvPr id="15" name="Rectangle: Rounded Corners 14">
-              <a:extLst>
-                <a:ext uri="{FF2B5EF4-FFF2-40B4-BE49-F238E27FC236}">
-                  <a16:creationId xmlns:a16="http://schemas.microsoft.com/office/drawing/2014/main" id="{6F2E21A6-9A4F-4E7E-96EC-7A59603775D8}"/>
-                </a:ext>
-              </a:extLst>
-            </p:cNvPr>
-            <p:cNvSpPr/>
-            <p:nvPr/>
-          </p:nvSpPr>
-          <p:spPr>
-            <a:xfrm>
-              <a:off x="1135782" y="1926710"/>
-              <a:ext cx="2103034" cy="1290077"/>
-            </a:xfrm>
-            <a:prstGeom prst="roundRect">
-              <a:avLst/>
-            </a:prstGeom>
-          </p:spPr>
-          <p:style>
-            <a:lnRef idx="2">
-              <a:schemeClr val="accent3">
-                <a:shade val="50000"/>
-              </a:schemeClr>
-            </a:lnRef>
-            <a:fillRef idx="1">
-              <a:schemeClr val="accent3"/>
-            </a:fillRef>
-            <a:effectRef idx="0">
-              <a:schemeClr val="accent3"/>
-            </a:effectRef>
-            <a:fontRef idx="minor">
-              <a:schemeClr val="lt1"/>
-            </a:fontRef>
-          </p:style>
-          <p:txBody>
-            <a:bodyPr rtlCol="0" anchor="ctr"/>
-            <a:lstStyle/>
-            <a:p>
-              <a:pPr algn="ctr"/>
-              <a:r>
-                <a:rPr lang="en-US" dirty="0"/>
-                <a:t>Cart</a:t>
-              </a:r>
-            </a:p>
-          </p:txBody>
-        </p:sp>
-        <p:sp>
-          <p:nvSpPr>
-            <p:cNvPr id="17" name="Arrow: Curved Right 16">
-              <a:extLst>
-                <a:ext uri="{FF2B5EF4-FFF2-40B4-BE49-F238E27FC236}">
-                  <a16:creationId xmlns:a16="http://schemas.microsoft.com/office/drawing/2014/main" id="{B06B3FA2-2DA6-4B33-8B6B-B13EB5D76E07}"/>
-                </a:ext>
-              </a:extLst>
-            </p:cNvPr>
-            <p:cNvSpPr/>
-            <p:nvPr/>
-          </p:nvSpPr>
-          <p:spPr>
-            <a:xfrm rot="5400000">
-              <a:off x="4076300" y="-715427"/>
-              <a:ext cx="683394" cy="4254368"/>
-            </a:xfrm>
-            <a:prstGeom prst="curvedRightArrow">
-              <a:avLst/>
-            </a:prstGeom>
-          </p:spPr>
-          <p:style>
-            <a:lnRef idx="2">
-              <a:schemeClr val="accent2">
-                <a:shade val="50000"/>
-              </a:schemeClr>
-            </a:lnRef>
-            <a:fillRef idx="1">
-              <a:schemeClr val="accent2"/>
-            </a:fillRef>
-            <a:effectRef idx="0">
-              <a:schemeClr val="accent2"/>
-            </a:effectRef>
-            <a:fontRef idx="minor">
-              <a:schemeClr val="lt1"/>
-            </a:fontRef>
-          </p:style>
-          <p:txBody>
-            <a:bodyPr rtlCol="0" anchor="ctr"/>
-            <a:lstStyle/>
-            <a:p>
-              <a:pPr algn="ctr"/>
-              <a:endParaRPr lang="en-US">
-                <a:solidFill>
-                  <a:schemeClr val="tx1"/>
-                </a:solidFill>
-              </a:endParaRPr>
-            </a:p>
-          </p:txBody>
-        </p:sp>
-        <p:sp>
-          <p:nvSpPr>
-            <p:cNvPr id="18" name="Arrow: Curved Right 17">
-              <a:extLst>
-                <a:ext uri="{FF2B5EF4-FFF2-40B4-BE49-F238E27FC236}">
-                  <a16:creationId xmlns:a16="http://schemas.microsoft.com/office/drawing/2014/main" id="{C960D92D-FA75-4AF2-862E-94B0F3A8B775}"/>
-                </a:ext>
-              </a:extLst>
-            </p:cNvPr>
-            <p:cNvSpPr/>
-            <p:nvPr/>
-          </p:nvSpPr>
-          <p:spPr>
-            <a:xfrm rot="16200000">
-              <a:off x="4230303" y="1604554"/>
-              <a:ext cx="683394" cy="4254368"/>
-            </a:xfrm>
-            <a:prstGeom prst="curvedRightArrow">
-              <a:avLst/>
-            </a:prstGeom>
-          </p:spPr>
-          <p:style>
-            <a:lnRef idx="2">
-              <a:schemeClr val="accent2">
-                <a:shade val="50000"/>
-              </a:schemeClr>
-            </a:lnRef>
-            <a:fillRef idx="1">
-              <a:schemeClr val="accent2"/>
-            </a:fillRef>
-            <a:effectRef idx="0">
-              <a:schemeClr val="accent2"/>
-            </a:effectRef>
-            <a:fontRef idx="minor">
-              <a:schemeClr val="lt1"/>
-            </a:fontRef>
-          </p:style>
-          <p:txBody>
-            <a:bodyPr rtlCol="0" anchor="ctr"/>
-            <a:lstStyle/>
-            <a:p>
-              <a:pPr algn="ctr"/>
-              <a:endParaRPr lang="en-US">
-                <a:solidFill>
-                  <a:schemeClr val="tx1"/>
-                </a:solidFill>
-              </a:endParaRPr>
-            </a:p>
-          </p:txBody>
-        </p:sp>
-        <p:pic>
-          <p:nvPicPr>
-            <p:cNvPr id="19" name="Picture 2" descr="JUnit – About">
-              <a:extLst>
-                <a:ext uri="{FF2B5EF4-FFF2-40B4-BE49-F238E27FC236}">
-                  <a16:creationId xmlns:a16="http://schemas.microsoft.com/office/drawing/2014/main" id="{F580DC8A-5A31-406D-B37C-C68545F160D2}"/>
-                </a:ext>
-              </a:extLst>
-            </p:cNvPr>
-            <p:cNvPicPr>
-              <a:picLocks noChangeAspect="1" noChangeArrowheads="1"/>
-            </p:cNvPicPr>
-            <p:nvPr/>
-          </p:nvPicPr>
-          <p:blipFill>
-            <a:blip r:embed="rId2" cstate="print">
-              <a:extLst>
-                <a:ext uri="{28A0092B-C50C-407E-A947-70E740481C1C}">
-                  <a14:useLocalDpi xmlns:a14="http://schemas.microsoft.com/office/drawing/2010/main" val="0"/>
-                </a:ext>
-              </a:extLst>
-            </a:blip>
-            <a:srcRect/>
-            <a:stretch>
-              <a:fillRect/>
-            </a:stretch>
-          </p:blipFill>
-          <p:spPr bwMode="auto">
-            <a:xfrm>
-              <a:off x="5984550" y="2304111"/>
-              <a:ext cx="1751798" cy="535272"/>
-            </a:xfrm>
-            <a:prstGeom prst="rect">
-              <a:avLst/>
-            </a:prstGeom>
-            <a:noFill/>
-            <a:extLst>
-              <a:ext uri="{909E8E84-426E-40DD-AFC4-6F175D3DCCD1}">
-                <a14:hiddenFill xmlns:a14="http://schemas.microsoft.com/office/drawing/2010/main">
-                  <a:solidFill>
-                    <a:srgbClr val="FFFFFF"/>
-                  </a:solidFill>
-                </a14:hiddenFill>
-              </a:ext>
-            </a:extLst>
-          </p:spPr>
-        </p:pic>
-        <p:pic>
-          <p:nvPicPr>
-            <p:cNvPr id="21" name="Graphic 20" descr="Exclamation mark">
-              <a:extLst>
-                <a:ext uri="{FF2B5EF4-FFF2-40B4-BE49-F238E27FC236}">
-                  <a16:creationId xmlns:a16="http://schemas.microsoft.com/office/drawing/2014/main" id="{C86FB4BB-819A-4E61-BC85-1DEC018A34D1}"/>
-                </a:ext>
-              </a:extLst>
-            </p:cNvPr>
-            <p:cNvPicPr>
-              <a:picLocks noChangeAspect="1"/>
-            </p:cNvPicPr>
-            <p:nvPr/>
-          </p:nvPicPr>
-          <p:blipFill>
-            <a:blip r:embed="rId3">
-              <a:extLst>
-                <a:ext uri="{28A0092B-C50C-407E-A947-70E740481C1C}">
-                  <a14:useLocalDpi xmlns:a14="http://schemas.microsoft.com/office/drawing/2010/main" val="0"/>
-                </a:ext>
-                <a:ext uri="{96DAC541-7B7A-43D3-8B79-37D633B846F1}">
-                  <asvg:svgBlip xmlns:asvg="http://schemas.microsoft.com/office/drawing/2016/SVG/main" r:embed="rId4"/>
-                </a:ext>
-              </a:extLst>
-            </a:blip>
-            <a:stretch>
-              <a:fillRect/>
-            </a:stretch>
-          </p:blipFill>
-          <p:spPr>
-            <a:xfrm>
-              <a:off x="4114800" y="3141586"/>
-              <a:ext cx="914400" cy="914400"/>
-            </a:xfrm>
-            <a:prstGeom prst="rect">
-              <a:avLst/>
-            </a:prstGeom>
-          </p:spPr>
-        </p:pic>
-        <p:pic>
-          <p:nvPicPr>
-            <p:cNvPr id="23" name="Graphic 22" descr="Question Mark">
-              <a:extLst>
-                <a:ext uri="{FF2B5EF4-FFF2-40B4-BE49-F238E27FC236}">
-                  <a16:creationId xmlns:a16="http://schemas.microsoft.com/office/drawing/2014/main" id="{324F4A78-A8C7-469E-A33F-C3523C9A84C1}"/>
-                </a:ext>
-              </a:extLst>
-            </p:cNvPr>
-            <p:cNvPicPr>
-              <a:picLocks noChangeAspect="1"/>
-            </p:cNvPicPr>
-            <p:nvPr/>
-          </p:nvPicPr>
-          <p:blipFill>
-            <a:blip r:embed="rId5">
-              <a:extLst>
-                <a:ext uri="{28A0092B-C50C-407E-A947-70E740481C1C}">
-                  <a14:useLocalDpi xmlns:a14="http://schemas.microsoft.com/office/drawing/2010/main" val="0"/>
-                </a:ext>
-                <a:ext uri="{96DAC541-7B7A-43D3-8B79-37D633B846F1}">
-                  <asvg:svgBlip xmlns:asvg="http://schemas.microsoft.com/office/drawing/2016/SVG/main" r:embed="rId6"/>
-                </a:ext>
-              </a:extLst>
-            </a:blip>
-            <a:stretch>
-              <a:fillRect/>
-            </a:stretch>
-          </p:blipFill>
-          <p:spPr>
-            <a:xfrm>
-              <a:off x="4114800" y="1087509"/>
-              <a:ext cx="914400" cy="914400"/>
-            </a:xfrm>
-            <a:prstGeom prst="rect">
-              <a:avLst/>
-            </a:prstGeom>
-          </p:spPr>
-        </p:pic>
-      </p:grpSp>
-      <p:grpSp>
-        <p:nvGrpSpPr>
-          <p:cNvPr id="24" name="Group 23">
+          <a:prstGeom prst="roundRect">
+            <a:avLst/>
+          </a:prstGeom>
+        </p:spPr>
+        <p:style>
+          <a:lnRef idx="2">
+            <a:schemeClr val="accent3">
+              <a:shade val="50000"/>
+            </a:schemeClr>
+          </a:lnRef>
+          <a:fillRef idx="1">
+            <a:schemeClr val="accent3"/>
+          </a:fillRef>
+          <a:effectRef idx="0">
+            <a:schemeClr val="accent3"/>
+          </a:effectRef>
+          <a:fontRef idx="minor">
+            <a:schemeClr val="lt1"/>
+          </a:fontRef>
+        </p:style>
+        <p:txBody>
+          <a:bodyPr rtlCol="0" anchor="ctr"/>
+          <a:lstStyle/>
+          <a:p>
+            <a:pPr algn="ctr"/>
+            <a:r>
+              <a:rPr lang="en-US" dirty="0"/>
+              <a:t>User</a:t>
+            </a:r>
+          </a:p>
+        </p:txBody>
+      </p:sp>
+      <p:sp>
+        <p:nvSpPr>
+          <p:cNvPr id="14" name="Arrow: Curved Right 13">
             <a:extLst>
               <a:ext uri="{FF2B5EF4-FFF2-40B4-BE49-F238E27FC236}">
-                <a16:creationId xmlns:a16="http://schemas.microsoft.com/office/drawing/2014/main" id="{4C6D407E-6A9D-4055-98C6-A2623E7ADF94}"/>
+                <a16:creationId xmlns:a16="http://schemas.microsoft.com/office/drawing/2014/main" id="{F263A82B-5F15-46C6-8BD9-699C0267E226}"/>
               </a:ext>
             </a:extLst>
           </p:cNvPr>
-          <p:cNvGrpSpPr/>
+          <p:cNvSpPr/>
           <p:nvPr/>
-        </p:nvGrpSpPr>
-        <p:grpSpPr>
-          <a:xfrm>
-            <a:off x="1656944" y="2929847"/>
-            <a:ext cx="3234087" cy="1433429"/>
-            <a:chOff x="1135782" y="1070060"/>
-            <a:chExt cx="6776184" cy="3003375"/>
+        </p:nvSpPr>
+        <p:spPr>
+          <a:xfrm rot="5400000">
+            <a:off x="2539211" y="217896"/>
+            <a:ext cx="326165" cy="2030493"/>
           </a:xfrm>
-        </p:grpSpPr>
-        <p:sp>
-          <p:nvSpPr>
-            <p:cNvPr id="25" name="Rectangle: Rounded Corners 24">
-              <a:extLst>
-                <a:ext uri="{FF2B5EF4-FFF2-40B4-BE49-F238E27FC236}">
-                  <a16:creationId xmlns:a16="http://schemas.microsoft.com/office/drawing/2014/main" id="{7AD183CD-9EC1-402F-BFAF-683E73E7AEE0}"/>
-                </a:ext>
-              </a:extLst>
-            </p:cNvPr>
-            <p:cNvSpPr/>
-            <p:nvPr/>
-          </p:nvSpPr>
-          <p:spPr>
-            <a:xfrm>
-              <a:off x="5808932" y="1926709"/>
-              <a:ext cx="2103034" cy="1290077"/>
-            </a:xfrm>
-            <a:prstGeom prst="roundRect">
-              <a:avLst/>
-            </a:prstGeom>
-          </p:spPr>
-          <p:style>
-            <a:lnRef idx="2">
-              <a:schemeClr val="accent4">
-                <a:shade val="50000"/>
-              </a:schemeClr>
-            </a:lnRef>
-            <a:fillRef idx="1">
-              <a:schemeClr val="accent4"/>
-            </a:fillRef>
-            <a:effectRef idx="0">
-              <a:schemeClr val="accent4"/>
-            </a:effectRef>
-            <a:fontRef idx="minor">
-              <a:schemeClr val="lt1"/>
-            </a:fontRef>
-          </p:style>
-          <p:txBody>
-            <a:bodyPr rtlCol="0" anchor="ctr"/>
-            <a:lstStyle/>
-            <a:p>
-              <a:pPr algn="ctr"/>
-              <a:endParaRPr lang="en-US" dirty="0"/>
-            </a:p>
-          </p:txBody>
-        </p:sp>
-        <p:sp>
-          <p:nvSpPr>
-            <p:cNvPr id="26" name="Rectangle: Rounded Corners 25">
-              <a:extLst>
-                <a:ext uri="{FF2B5EF4-FFF2-40B4-BE49-F238E27FC236}">
-                  <a16:creationId xmlns:a16="http://schemas.microsoft.com/office/drawing/2014/main" id="{4964FC4A-627B-4D6F-B0F2-66092A0A7D03}"/>
-                </a:ext>
-              </a:extLst>
-            </p:cNvPr>
-            <p:cNvSpPr/>
-            <p:nvPr/>
-          </p:nvSpPr>
-          <p:spPr>
-            <a:xfrm>
-              <a:off x="1135782" y="1926710"/>
-              <a:ext cx="2103034" cy="1290077"/>
-            </a:xfrm>
-            <a:prstGeom prst="roundRect">
-              <a:avLst/>
-            </a:prstGeom>
-          </p:spPr>
-          <p:style>
-            <a:lnRef idx="2">
-              <a:schemeClr val="accent3">
-                <a:shade val="50000"/>
-              </a:schemeClr>
-            </a:lnRef>
-            <a:fillRef idx="1">
-              <a:schemeClr val="accent3"/>
-            </a:fillRef>
-            <a:effectRef idx="0">
-              <a:schemeClr val="accent3"/>
-            </a:effectRef>
-            <a:fontRef idx="minor">
-              <a:schemeClr val="lt1"/>
-            </a:fontRef>
-          </p:style>
-          <p:txBody>
-            <a:bodyPr rtlCol="0" anchor="ctr"/>
-            <a:lstStyle/>
-            <a:p>
-              <a:pPr algn="ctr"/>
-              <a:r>
-                <a:rPr lang="en-US" dirty="0" err="1"/>
-                <a:t>ListItem</a:t>
-              </a:r>
-              <a:endParaRPr lang="en-US" dirty="0"/>
-            </a:p>
-          </p:txBody>
-        </p:sp>
-        <p:sp>
-          <p:nvSpPr>
-            <p:cNvPr id="27" name="Arrow: Curved Right 26">
-              <a:extLst>
-                <a:ext uri="{FF2B5EF4-FFF2-40B4-BE49-F238E27FC236}">
-                  <a16:creationId xmlns:a16="http://schemas.microsoft.com/office/drawing/2014/main" id="{4189B32B-AA6F-4913-BB16-0F0D3076514C}"/>
-                </a:ext>
-              </a:extLst>
-            </p:cNvPr>
-            <p:cNvSpPr/>
-            <p:nvPr/>
-          </p:nvSpPr>
-          <p:spPr>
-            <a:xfrm rot="5400000">
-              <a:off x="4076300" y="-715427"/>
-              <a:ext cx="683394" cy="4254368"/>
-            </a:xfrm>
-            <a:prstGeom prst="curvedRightArrow">
-              <a:avLst/>
-            </a:prstGeom>
-          </p:spPr>
-          <p:style>
-            <a:lnRef idx="2">
-              <a:schemeClr val="accent2">
-                <a:shade val="50000"/>
-              </a:schemeClr>
-            </a:lnRef>
-            <a:fillRef idx="1">
-              <a:schemeClr val="accent2"/>
-            </a:fillRef>
-            <a:effectRef idx="0">
-              <a:schemeClr val="accent2"/>
-            </a:effectRef>
-            <a:fontRef idx="minor">
-              <a:schemeClr val="lt1"/>
-            </a:fontRef>
-          </p:style>
-          <p:txBody>
-            <a:bodyPr rtlCol="0" anchor="ctr"/>
-            <a:lstStyle/>
-            <a:p>
-              <a:pPr algn="ctr"/>
-              <a:endParaRPr lang="en-US">
-                <a:solidFill>
-                  <a:schemeClr val="tx1"/>
-                </a:solidFill>
-              </a:endParaRPr>
-            </a:p>
-          </p:txBody>
-        </p:sp>
-        <p:sp>
-          <p:nvSpPr>
-            <p:cNvPr id="28" name="Arrow: Curved Right 27">
-              <a:extLst>
-                <a:ext uri="{FF2B5EF4-FFF2-40B4-BE49-F238E27FC236}">
-                  <a16:creationId xmlns:a16="http://schemas.microsoft.com/office/drawing/2014/main" id="{D2DD5B44-92D8-4BB6-87EE-CB1E1BC0D132}"/>
-                </a:ext>
-              </a:extLst>
-            </p:cNvPr>
-            <p:cNvSpPr/>
-            <p:nvPr/>
-          </p:nvSpPr>
-          <p:spPr>
-            <a:xfrm rot="16200000">
-              <a:off x="4230303" y="1604554"/>
-              <a:ext cx="683394" cy="4254368"/>
-            </a:xfrm>
-            <a:prstGeom prst="curvedRightArrow">
-              <a:avLst/>
-            </a:prstGeom>
-          </p:spPr>
-          <p:style>
-            <a:lnRef idx="2">
-              <a:schemeClr val="accent2">
-                <a:shade val="50000"/>
-              </a:schemeClr>
-            </a:lnRef>
-            <a:fillRef idx="1">
-              <a:schemeClr val="accent2"/>
-            </a:fillRef>
-            <a:effectRef idx="0">
-              <a:schemeClr val="accent2"/>
-            </a:effectRef>
-            <a:fontRef idx="minor">
-              <a:schemeClr val="lt1"/>
-            </a:fontRef>
-          </p:style>
-          <p:txBody>
-            <a:bodyPr rtlCol="0" anchor="ctr"/>
-            <a:lstStyle/>
-            <a:p>
-              <a:pPr algn="ctr"/>
-              <a:endParaRPr lang="en-US">
-                <a:solidFill>
-                  <a:schemeClr val="tx1"/>
-                </a:solidFill>
-              </a:endParaRPr>
-            </a:p>
-          </p:txBody>
-        </p:sp>
-        <p:pic>
-          <p:nvPicPr>
-            <p:cNvPr id="29" name="Picture 2" descr="JUnit – About">
-              <a:extLst>
-                <a:ext uri="{FF2B5EF4-FFF2-40B4-BE49-F238E27FC236}">
-                  <a16:creationId xmlns:a16="http://schemas.microsoft.com/office/drawing/2014/main" id="{D02AF563-0E03-4ECC-8C76-F8C12AC2B898}"/>
-                </a:ext>
-              </a:extLst>
-            </p:cNvPr>
-            <p:cNvPicPr>
-              <a:picLocks noChangeAspect="1" noChangeArrowheads="1"/>
-            </p:cNvPicPr>
-            <p:nvPr/>
-          </p:nvPicPr>
-          <p:blipFill>
-            <a:blip r:embed="rId2" cstate="print">
-              <a:extLst>
-                <a:ext uri="{28A0092B-C50C-407E-A947-70E740481C1C}">
-                  <a14:useLocalDpi xmlns:a14="http://schemas.microsoft.com/office/drawing/2010/main" val="0"/>
-                </a:ext>
-              </a:extLst>
-            </a:blip>
-            <a:srcRect/>
-            <a:stretch>
-              <a:fillRect/>
-            </a:stretch>
-          </p:blipFill>
-          <p:spPr bwMode="auto">
-            <a:xfrm>
-              <a:off x="5984550" y="2304111"/>
-              <a:ext cx="1751798" cy="535272"/>
-            </a:xfrm>
-            <a:prstGeom prst="rect">
-              <a:avLst/>
-            </a:prstGeom>
-            <a:noFill/>
+          <a:prstGeom prst="curvedRightArrow">
+            <a:avLst/>
+          </a:prstGeom>
+        </p:spPr>
+        <p:style>
+          <a:lnRef idx="2">
+            <a:schemeClr val="accent2">
+              <a:shade val="50000"/>
+            </a:schemeClr>
+          </a:lnRef>
+          <a:fillRef idx="1">
+            <a:schemeClr val="accent2"/>
+          </a:fillRef>
+          <a:effectRef idx="0">
+            <a:schemeClr val="accent2"/>
+          </a:effectRef>
+          <a:fontRef idx="minor">
+            <a:schemeClr val="lt1"/>
+          </a:fontRef>
+        </p:style>
+        <p:txBody>
+          <a:bodyPr rtlCol="0" anchor="ctr"/>
+          <a:lstStyle/>
+          <a:p>
+            <a:pPr algn="ctr"/>
+            <a:endParaRPr lang="en-US">
+              <a:solidFill>
+                <a:schemeClr val="tx1"/>
+              </a:solidFill>
+            </a:endParaRPr>
+          </a:p>
+        </p:txBody>
+      </p:sp>
+      <p:sp>
+        <p:nvSpPr>
+          <p:cNvPr id="16" name="Arrow: Curved Right 15">
             <a:extLst>
-              <a:ext uri="{909E8E84-426E-40DD-AFC4-6F175D3DCCD1}">
-                <a14:hiddenFill xmlns:a14="http://schemas.microsoft.com/office/drawing/2010/main">
-                  <a:solidFill>
-                    <a:srgbClr val="FFFFFF"/>
-                  </a:solidFill>
-                </a14:hiddenFill>
+              <a:ext uri="{FF2B5EF4-FFF2-40B4-BE49-F238E27FC236}">
+                <a16:creationId xmlns:a16="http://schemas.microsoft.com/office/drawing/2014/main" id="{DD1A935A-BA2D-4123-92BA-3F09E05EA596}"/>
               </a:ext>
             </a:extLst>
-          </p:spPr>
-        </p:pic>
-        <p:pic>
-          <p:nvPicPr>
-            <p:cNvPr id="30" name="Graphic 29" descr="Exclamation mark">
-              <a:extLst>
-                <a:ext uri="{FF2B5EF4-FFF2-40B4-BE49-F238E27FC236}">
-                  <a16:creationId xmlns:a16="http://schemas.microsoft.com/office/drawing/2014/main" id="{5BA9DC86-E16B-4F29-A991-399D437F09D8}"/>
-                </a:ext>
-              </a:extLst>
-            </p:cNvPr>
-            <p:cNvPicPr>
-              <a:picLocks noChangeAspect="1"/>
-            </p:cNvPicPr>
-            <p:nvPr/>
-          </p:nvPicPr>
-          <p:blipFill>
-            <a:blip r:embed="rId3">
-              <a:extLst>
-                <a:ext uri="{28A0092B-C50C-407E-A947-70E740481C1C}">
-                  <a14:useLocalDpi xmlns:a14="http://schemas.microsoft.com/office/drawing/2010/main" val="0"/>
-                </a:ext>
-                <a:ext uri="{96DAC541-7B7A-43D3-8B79-37D633B846F1}">
-                  <asvg:svgBlip xmlns:asvg="http://schemas.microsoft.com/office/drawing/2016/SVG/main" r:embed="rId4"/>
-                </a:ext>
-              </a:extLst>
-            </a:blip>
-            <a:stretch>
-              <a:fillRect/>
-            </a:stretch>
-          </p:blipFill>
-          <p:spPr>
-            <a:xfrm>
-              <a:off x="4114800" y="3141586"/>
-              <a:ext cx="914400" cy="914400"/>
-            </a:xfrm>
-            <a:prstGeom prst="rect">
-              <a:avLst/>
-            </a:prstGeom>
-          </p:spPr>
-        </p:pic>
-        <p:pic>
-          <p:nvPicPr>
-            <p:cNvPr id="31" name="Graphic 30" descr="Question Mark">
-              <a:extLst>
-                <a:ext uri="{FF2B5EF4-FFF2-40B4-BE49-F238E27FC236}">
-                  <a16:creationId xmlns:a16="http://schemas.microsoft.com/office/drawing/2014/main" id="{6B9F9B56-E358-4A7C-9A03-D8933816FC20}"/>
-                </a:ext>
-              </a:extLst>
-            </p:cNvPr>
-            <p:cNvPicPr>
-              <a:picLocks noChangeAspect="1"/>
-            </p:cNvPicPr>
-            <p:nvPr/>
-          </p:nvPicPr>
-          <p:blipFill>
-            <a:blip r:embed="rId5">
-              <a:extLst>
-                <a:ext uri="{28A0092B-C50C-407E-A947-70E740481C1C}">
-                  <a14:useLocalDpi xmlns:a14="http://schemas.microsoft.com/office/drawing/2010/main" val="0"/>
-                </a:ext>
-                <a:ext uri="{96DAC541-7B7A-43D3-8B79-37D633B846F1}">
-                  <asvg:svgBlip xmlns:asvg="http://schemas.microsoft.com/office/drawing/2016/SVG/main" r:embed="rId6"/>
-                </a:ext>
-              </a:extLst>
-            </a:blip>
-            <a:stretch>
-              <a:fillRect/>
-            </a:stretch>
-          </p:blipFill>
-          <p:spPr>
-            <a:xfrm>
-              <a:off x="4114800" y="1087509"/>
-              <a:ext cx="914400" cy="914400"/>
-            </a:xfrm>
-            <a:prstGeom prst="rect">
-              <a:avLst/>
-            </a:prstGeom>
-          </p:spPr>
-        </p:pic>
-      </p:grpSp>
+          </p:cNvPr>
+          <p:cNvSpPr/>
+          <p:nvPr/>
+        </p:nvSpPr>
+        <p:spPr>
+          <a:xfrm rot="16200000">
+            <a:off x="2612712" y="1325160"/>
+            <a:ext cx="326165" cy="2030493"/>
+          </a:xfrm>
+          <a:prstGeom prst="curvedRightArrow">
+            <a:avLst/>
+          </a:prstGeom>
+        </p:spPr>
+        <p:style>
+          <a:lnRef idx="2">
+            <a:schemeClr val="accent2">
+              <a:shade val="50000"/>
+            </a:schemeClr>
+          </a:lnRef>
+          <a:fillRef idx="1">
+            <a:schemeClr val="accent2"/>
+          </a:fillRef>
+          <a:effectRef idx="0">
+            <a:schemeClr val="accent2"/>
+          </a:effectRef>
+          <a:fontRef idx="minor">
+            <a:schemeClr val="lt1"/>
+          </a:fontRef>
+        </p:style>
+        <p:txBody>
+          <a:bodyPr rtlCol="0" anchor="ctr"/>
+          <a:lstStyle/>
+          <a:p>
+            <a:pPr algn="ctr"/>
+            <a:endParaRPr lang="en-US">
+              <a:solidFill>
+                <a:schemeClr val="tx1"/>
+              </a:solidFill>
+            </a:endParaRPr>
+          </a:p>
+        </p:txBody>
+      </p:sp>
+      <p:pic>
+        <p:nvPicPr>
+          <p:cNvPr id="1026" name="Picture 2" descr="JUnit – About">
+            <a:extLst>
+              <a:ext uri="{FF2B5EF4-FFF2-40B4-BE49-F238E27FC236}">
+                <a16:creationId xmlns:a16="http://schemas.microsoft.com/office/drawing/2014/main" id="{7479D8AD-C8B5-48CE-8262-55CEF8FD9B2D}"/>
+              </a:ext>
+            </a:extLst>
+          </p:cNvPr>
+          <p:cNvPicPr>
+            <a:picLocks noChangeAspect="1" noChangeArrowheads="1"/>
+          </p:cNvPicPr>
+          <p:nvPr/>
+        </p:nvPicPr>
+        <p:blipFill>
+          <a:blip r:embed="rId2" cstate="print">
+            <a:extLst>
+              <a:ext uri="{28A0092B-C50C-407E-A947-70E740481C1C}">
+                <a14:useLocalDpi xmlns:a14="http://schemas.microsoft.com/office/drawing/2010/main" val="0"/>
+              </a:ext>
+            </a:extLst>
+          </a:blip>
+          <a:srcRect/>
+          <a:stretch>
+            <a:fillRect/>
+          </a:stretch>
+        </p:blipFill>
+        <p:spPr bwMode="auto">
+          <a:xfrm>
+            <a:off x="3449966" y="1659039"/>
+            <a:ext cx="836085" cy="255471"/>
+          </a:xfrm>
+          <a:prstGeom prst="rect">
+            <a:avLst/>
+          </a:prstGeom>
+          <a:noFill/>
+          <a:extLst>
+            <a:ext uri="{909E8E84-426E-40DD-AFC4-6F175D3DCCD1}">
+              <a14:hiddenFill xmlns:a14="http://schemas.microsoft.com/office/drawing/2010/main">
+                <a:solidFill>
+                  <a:srgbClr val="FFFFFF"/>
+                </a:solidFill>
+              </a14:hiddenFill>
+            </a:ext>
+          </a:extLst>
+        </p:spPr>
+      </p:pic>
+      <p:pic>
+        <p:nvPicPr>
+          <p:cNvPr id="20" name="Graphic 19" descr="Exclamation mark">
+            <a:extLst>
+              <a:ext uri="{FF2B5EF4-FFF2-40B4-BE49-F238E27FC236}">
+                <a16:creationId xmlns:a16="http://schemas.microsoft.com/office/drawing/2014/main" id="{EDE693EE-A937-4358-A4B4-0B4DD6F8F6C3}"/>
+              </a:ext>
+            </a:extLst>
+          </p:cNvPr>
+          <p:cNvPicPr>
+            <a:picLocks noChangeAspect="1"/>
+          </p:cNvPicPr>
+          <p:nvPr/>
+        </p:nvPicPr>
+        <p:blipFill>
+          <a:blip r:embed="rId3">
+            <a:extLst>
+              <a:ext uri="{28A0092B-C50C-407E-A947-70E740481C1C}">
+                <a14:useLocalDpi xmlns:a14="http://schemas.microsoft.com/office/drawing/2010/main" val="0"/>
+              </a:ext>
+              <a:ext uri="{96DAC541-7B7A-43D3-8B79-37D633B846F1}">
+                <asvg:svgBlip xmlns:asvg="http://schemas.microsoft.com/office/drawing/2016/SVG/main" r:embed="rId4"/>
+              </a:ext>
+            </a:extLst>
+          </a:blip>
+          <a:stretch>
+            <a:fillRect/>
+          </a:stretch>
+        </p:blipFill>
+        <p:spPr>
+          <a:xfrm>
+            <a:off x="2557586" y="2058743"/>
+            <a:ext cx="436418" cy="436418"/>
+          </a:xfrm>
+          <a:prstGeom prst="rect">
+            <a:avLst/>
+          </a:prstGeom>
+        </p:spPr>
+      </p:pic>
+      <p:pic>
+        <p:nvPicPr>
+          <p:cNvPr id="22" name="Graphic 21" descr="Question Mark">
+            <a:extLst>
+              <a:ext uri="{FF2B5EF4-FFF2-40B4-BE49-F238E27FC236}">
+                <a16:creationId xmlns:a16="http://schemas.microsoft.com/office/drawing/2014/main" id="{269BE64B-0B5C-4536-91F4-08C24BC3C0AD}"/>
+              </a:ext>
+            </a:extLst>
+          </p:cNvPr>
+          <p:cNvPicPr>
+            <a:picLocks noChangeAspect="1"/>
+          </p:cNvPicPr>
+          <p:nvPr/>
+        </p:nvPicPr>
+        <p:blipFill>
+          <a:blip r:embed="rId5">
+            <a:extLst>
+              <a:ext uri="{28A0092B-C50C-407E-A947-70E740481C1C}">
+                <a14:useLocalDpi xmlns:a14="http://schemas.microsoft.com/office/drawing/2010/main" val="0"/>
+              </a:ext>
+              <a:ext uri="{96DAC541-7B7A-43D3-8B79-37D633B846F1}">
+                <asvg:svgBlip xmlns:asvg="http://schemas.microsoft.com/office/drawing/2016/SVG/main" r:embed="rId6"/>
+              </a:ext>
+            </a:extLst>
+          </a:blip>
+          <a:stretch>
+            <a:fillRect/>
+          </a:stretch>
+        </p:blipFill>
+        <p:spPr>
+          <a:xfrm>
+            <a:off x="2557586" y="1078388"/>
+            <a:ext cx="436418" cy="436418"/>
+          </a:xfrm>
+          <a:prstGeom prst="rect">
+            <a:avLst/>
+          </a:prstGeom>
+        </p:spPr>
+      </p:pic>
+      <p:sp>
+        <p:nvSpPr>
+          <p:cNvPr id="13" name="Rectangle: Rounded Corners 12">
+            <a:extLst>
+              <a:ext uri="{FF2B5EF4-FFF2-40B4-BE49-F238E27FC236}">
+                <a16:creationId xmlns:a16="http://schemas.microsoft.com/office/drawing/2014/main" id="{4461D52F-A52D-4A4C-9641-BEFFFB4BD988}"/>
+              </a:ext>
+            </a:extLst>
+          </p:cNvPr>
+          <p:cNvSpPr/>
+          <p:nvPr/>
+        </p:nvSpPr>
+        <p:spPr>
+          <a:xfrm>
+            <a:off x="7078852" y="1969092"/>
+            <a:ext cx="1003721" cy="615719"/>
+          </a:xfrm>
+          <a:prstGeom prst="roundRect">
+            <a:avLst/>
+          </a:prstGeom>
+        </p:spPr>
+        <p:style>
+          <a:lnRef idx="2">
+            <a:schemeClr val="accent4">
+              <a:shade val="50000"/>
+            </a:schemeClr>
+          </a:lnRef>
+          <a:fillRef idx="1">
+            <a:schemeClr val="accent4"/>
+          </a:fillRef>
+          <a:effectRef idx="0">
+            <a:schemeClr val="accent4"/>
+          </a:effectRef>
+          <a:fontRef idx="minor">
+            <a:schemeClr val="lt1"/>
+          </a:fontRef>
+        </p:style>
+        <p:txBody>
+          <a:bodyPr rtlCol="0" anchor="ctr"/>
+          <a:lstStyle/>
+          <a:p>
+            <a:pPr algn="ctr"/>
+            <a:endParaRPr lang="en-US" dirty="0"/>
+          </a:p>
+        </p:txBody>
+      </p:sp>
+      <p:sp>
+        <p:nvSpPr>
+          <p:cNvPr id="15" name="Rectangle: Rounded Corners 14">
+            <a:extLst>
+              <a:ext uri="{FF2B5EF4-FFF2-40B4-BE49-F238E27FC236}">
+                <a16:creationId xmlns:a16="http://schemas.microsoft.com/office/drawing/2014/main" id="{6F2E21A6-9A4F-4E7E-96EC-7A59603775D8}"/>
+              </a:ext>
+            </a:extLst>
+          </p:cNvPr>
+          <p:cNvSpPr/>
+          <p:nvPr/>
+        </p:nvSpPr>
+        <p:spPr>
+          <a:xfrm>
+            <a:off x="4848486" y="1969093"/>
+            <a:ext cx="1003721" cy="615719"/>
+          </a:xfrm>
+          <a:prstGeom prst="roundRect">
+            <a:avLst/>
+          </a:prstGeom>
+        </p:spPr>
+        <p:style>
+          <a:lnRef idx="2">
+            <a:schemeClr val="accent3">
+              <a:shade val="50000"/>
+            </a:schemeClr>
+          </a:lnRef>
+          <a:fillRef idx="1">
+            <a:schemeClr val="accent3"/>
+          </a:fillRef>
+          <a:effectRef idx="0">
+            <a:schemeClr val="accent3"/>
+          </a:effectRef>
+          <a:fontRef idx="minor">
+            <a:schemeClr val="lt1"/>
+          </a:fontRef>
+        </p:style>
+        <p:txBody>
+          <a:bodyPr rtlCol="0" anchor="ctr"/>
+          <a:lstStyle/>
+          <a:p>
+            <a:pPr algn="ctr"/>
+            <a:r>
+              <a:rPr lang="en-US" dirty="0"/>
+              <a:t>Cart</a:t>
+            </a:r>
+          </a:p>
+        </p:txBody>
+      </p:sp>
+      <p:sp>
+        <p:nvSpPr>
+          <p:cNvPr id="17" name="Arrow: Curved Right 16">
+            <a:extLst>
+              <a:ext uri="{FF2B5EF4-FFF2-40B4-BE49-F238E27FC236}">
+                <a16:creationId xmlns:a16="http://schemas.microsoft.com/office/drawing/2014/main" id="{B06B3FA2-2DA6-4B33-8B6B-B13EB5D76E07}"/>
+              </a:ext>
+            </a:extLst>
+          </p:cNvPr>
+          <p:cNvSpPr/>
+          <p:nvPr/>
+        </p:nvSpPr>
+        <p:spPr>
+          <a:xfrm rot="5400000">
+            <a:off x="6251915" y="708073"/>
+            <a:ext cx="326165" cy="2030493"/>
+          </a:xfrm>
+          <a:prstGeom prst="curvedRightArrow">
+            <a:avLst/>
+          </a:prstGeom>
+        </p:spPr>
+        <p:style>
+          <a:lnRef idx="2">
+            <a:schemeClr val="accent2">
+              <a:shade val="50000"/>
+            </a:schemeClr>
+          </a:lnRef>
+          <a:fillRef idx="1">
+            <a:schemeClr val="accent2"/>
+          </a:fillRef>
+          <a:effectRef idx="0">
+            <a:schemeClr val="accent2"/>
+          </a:effectRef>
+          <a:fontRef idx="minor">
+            <a:schemeClr val="lt1"/>
+          </a:fontRef>
+        </p:style>
+        <p:txBody>
+          <a:bodyPr rtlCol="0" anchor="ctr"/>
+          <a:lstStyle/>
+          <a:p>
+            <a:pPr algn="ctr"/>
+            <a:endParaRPr lang="en-US">
+              <a:solidFill>
+                <a:schemeClr val="tx1"/>
+              </a:solidFill>
+            </a:endParaRPr>
+          </a:p>
+        </p:txBody>
+      </p:sp>
+      <p:sp>
+        <p:nvSpPr>
+          <p:cNvPr id="18" name="Arrow: Curved Right 17">
+            <a:extLst>
+              <a:ext uri="{FF2B5EF4-FFF2-40B4-BE49-F238E27FC236}">
+                <a16:creationId xmlns:a16="http://schemas.microsoft.com/office/drawing/2014/main" id="{C960D92D-FA75-4AF2-862E-94B0F3A8B775}"/>
+              </a:ext>
+            </a:extLst>
+          </p:cNvPr>
+          <p:cNvSpPr/>
+          <p:nvPr/>
+        </p:nvSpPr>
+        <p:spPr>
+          <a:xfrm rot="16200000">
+            <a:off x="6325416" y="1815337"/>
+            <a:ext cx="326165" cy="2030493"/>
+          </a:xfrm>
+          <a:prstGeom prst="curvedRightArrow">
+            <a:avLst/>
+          </a:prstGeom>
+        </p:spPr>
+        <p:style>
+          <a:lnRef idx="2">
+            <a:schemeClr val="accent2">
+              <a:shade val="50000"/>
+            </a:schemeClr>
+          </a:lnRef>
+          <a:fillRef idx="1">
+            <a:schemeClr val="accent2"/>
+          </a:fillRef>
+          <a:effectRef idx="0">
+            <a:schemeClr val="accent2"/>
+          </a:effectRef>
+          <a:fontRef idx="minor">
+            <a:schemeClr val="lt1"/>
+          </a:fontRef>
+        </p:style>
+        <p:txBody>
+          <a:bodyPr rtlCol="0" anchor="ctr"/>
+          <a:lstStyle/>
+          <a:p>
+            <a:pPr algn="ctr"/>
+            <a:endParaRPr lang="en-US">
+              <a:solidFill>
+                <a:schemeClr val="tx1"/>
+              </a:solidFill>
+            </a:endParaRPr>
+          </a:p>
+        </p:txBody>
+      </p:sp>
+      <p:pic>
+        <p:nvPicPr>
+          <p:cNvPr id="19" name="Picture 2" descr="JUnit – About">
+            <a:extLst>
+              <a:ext uri="{FF2B5EF4-FFF2-40B4-BE49-F238E27FC236}">
+                <a16:creationId xmlns:a16="http://schemas.microsoft.com/office/drawing/2014/main" id="{F580DC8A-5A31-406D-B37C-C68545F160D2}"/>
+              </a:ext>
+            </a:extLst>
+          </p:cNvPr>
+          <p:cNvPicPr>
+            <a:picLocks noChangeAspect="1" noChangeArrowheads="1"/>
+          </p:cNvPicPr>
+          <p:nvPr/>
+        </p:nvPicPr>
+        <p:blipFill>
+          <a:blip r:embed="rId2" cstate="print">
+            <a:extLst>
+              <a:ext uri="{28A0092B-C50C-407E-A947-70E740481C1C}">
+                <a14:useLocalDpi xmlns:a14="http://schemas.microsoft.com/office/drawing/2010/main" val="0"/>
+              </a:ext>
+            </a:extLst>
+          </a:blip>
+          <a:srcRect/>
+          <a:stretch>
+            <a:fillRect/>
+          </a:stretch>
+        </p:blipFill>
+        <p:spPr bwMode="auto">
+          <a:xfrm>
+            <a:off x="7162670" y="2149216"/>
+            <a:ext cx="836085" cy="255471"/>
+          </a:xfrm>
+          <a:prstGeom prst="rect">
+            <a:avLst/>
+          </a:prstGeom>
+          <a:noFill/>
+          <a:extLst>
+            <a:ext uri="{909E8E84-426E-40DD-AFC4-6F175D3DCCD1}">
+              <a14:hiddenFill xmlns:a14="http://schemas.microsoft.com/office/drawing/2010/main">
+                <a:solidFill>
+                  <a:srgbClr val="FFFFFF"/>
+                </a:solidFill>
+              </a14:hiddenFill>
+            </a:ext>
+          </a:extLst>
+        </p:spPr>
+      </p:pic>
+      <p:pic>
+        <p:nvPicPr>
+          <p:cNvPr id="21" name="Graphic 20" descr="Exclamation mark">
+            <a:extLst>
+              <a:ext uri="{FF2B5EF4-FFF2-40B4-BE49-F238E27FC236}">
+                <a16:creationId xmlns:a16="http://schemas.microsoft.com/office/drawing/2014/main" id="{C86FB4BB-819A-4E61-BC85-1DEC018A34D1}"/>
+              </a:ext>
+            </a:extLst>
+          </p:cNvPr>
+          <p:cNvPicPr>
+            <a:picLocks noChangeAspect="1"/>
+          </p:cNvPicPr>
+          <p:nvPr/>
+        </p:nvPicPr>
+        <p:blipFill>
+          <a:blip r:embed="rId3">
+            <a:extLst>
+              <a:ext uri="{28A0092B-C50C-407E-A947-70E740481C1C}">
+                <a14:useLocalDpi xmlns:a14="http://schemas.microsoft.com/office/drawing/2010/main" val="0"/>
+              </a:ext>
+              <a:ext uri="{96DAC541-7B7A-43D3-8B79-37D633B846F1}">
+                <asvg:svgBlip xmlns:asvg="http://schemas.microsoft.com/office/drawing/2016/SVG/main" r:embed="rId4"/>
+              </a:ext>
+            </a:extLst>
+          </a:blip>
+          <a:stretch>
+            <a:fillRect/>
+          </a:stretch>
+        </p:blipFill>
+        <p:spPr>
+          <a:xfrm>
+            <a:off x="6270290" y="2548920"/>
+            <a:ext cx="436418" cy="436418"/>
+          </a:xfrm>
+          <a:prstGeom prst="rect">
+            <a:avLst/>
+          </a:prstGeom>
+        </p:spPr>
+      </p:pic>
+      <p:pic>
+        <p:nvPicPr>
+          <p:cNvPr id="23" name="Graphic 22" descr="Question Mark">
+            <a:extLst>
+              <a:ext uri="{FF2B5EF4-FFF2-40B4-BE49-F238E27FC236}">
+                <a16:creationId xmlns:a16="http://schemas.microsoft.com/office/drawing/2014/main" id="{324F4A78-A8C7-469E-A33F-C3523C9A84C1}"/>
+              </a:ext>
+            </a:extLst>
+          </p:cNvPr>
+          <p:cNvPicPr>
+            <a:picLocks noChangeAspect="1"/>
+          </p:cNvPicPr>
+          <p:nvPr/>
+        </p:nvPicPr>
+        <p:blipFill>
+          <a:blip r:embed="rId5">
+            <a:extLst>
+              <a:ext uri="{28A0092B-C50C-407E-A947-70E740481C1C}">
+                <a14:useLocalDpi xmlns:a14="http://schemas.microsoft.com/office/drawing/2010/main" val="0"/>
+              </a:ext>
+              <a:ext uri="{96DAC541-7B7A-43D3-8B79-37D633B846F1}">
+                <asvg:svgBlip xmlns:asvg="http://schemas.microsoft.com/office/drawing/2016/SVG/main" r:embed="rId6"/>
+              </a:ext>
+            </a:extLst>
+          </a:blip>
+          <a:stretch>
+            <a:fillRect/>
+          </a:stretch>
+        </p:blipFill>
+        <p:spPr>
+          <a:xfrm>
+            <a:off x="6270290" y="1568565"/>
+            <a:ext cx="436418" cy="436418"/>
+          </a:xfrm>
+          <a:prstGeom prst="rect">
+            <a:avLst/>
+          </a:prstGeom>
+        </p:spPr>
+      </p:pic>
+      <p:sp>
+        <p:nvSpPr>
+          <p:cNvPr id="25" name="Rectangle: Rounded Corners 24">
+            <a:extLst>
+              <a:ext uri="{FF2B5EF4-FFF2-40B4-BE49-F238E27FC236}">
+                <a16:creationId xmlns:a16="http://schemas.microsoft.com/office/drawing/2014/main" id="{7AD183CD-9EC1-402F-BFAF-683E73E7AEE0}"/>
+              </a:ext>
+            </a:extLst>
+          </p:cNvPr>
+          <p:cNvSpPr/>
+          <p:nvPr/>
+        </p:nvSpPr>
+        <p:spPr>
+          <a:xfrm>
+            <a:off x="3887310" y="3338702"/>
+            <a:ext cx="1003721" cy="615719"/>
+          </a:xfrm>
+          <a:prstGeom prst="roundRect">
+            <a:avLst/>
+          </a:prstGeom>
+        </p:spPr>
+        <p:style>
+          <a:lnRef idx="2">
+            <a:schemeClr val="accent4">
+              <a:shade val="50000"/>
+            </a:schemeClr>
+          </a:lnRef>
+          <a:fillRef idx="1">
+            <a:schemeClr val="accent4"/>
+          </a:fillRef>
+          <a:effectRef idx="0">
+            <a:schemeClr val="accent4"/>
+          </a:effectRef>
+          <a:fontRef idx="minor">
+            <a:schemeClr val="lt1"/>
+          </a:fontRef>
+        </p:style>
+        <p:txBody>
+          <a:bodyPr rtlCol="0" anchor="ctr"/>
+          <a:lstStyle/>
+          <a:p>
+            <a:pPr algn="ctr"/>
+            <a:endParaRPr lang="en-US" dirty="0"/>
+          </a:p>
+        </p:txBody>
+      </p:sp>
+      <p:sp>
+        <p:nvSpPr>
+          <p:cNvPr id="26" name="Rectangle: Rounded Corners 25">
+            <a:extLst>
+              <a:ext uri="{FF2B5EF4-FFF2-40B4-BE49-F238E27FC236}">
+                <a16:creationId xmlns:a16="http://schemas.microsoft.com/office/drawing/2014/main" id="{4964FC4A-627B-4D6F-B0F2-66092A0A7D03}"/>
+              </a:ext>
+            </a:extLst>
+          </p:cNvPr>
+          <p:cNvSpPr/>
+          <p:nvPr/>
+        </p:nvSpPr>
+        <p:spPr>
+          <a:xfrm>
+            <a:off x="1656944" y="3338703"/>
+            <a:ext cx="1003721" cy="615719"/>
+          </a:xfrm>
+          <a:prstGeom prst="roundRect">
+            <a:avLst/>
+          </a:prstGeom>
+        </p:spPr>
+        <p:style>
+          <a:lnRef idx="2">
+            <a:schemeClr val="accent3">
+              <a:shade val="50000"/>
+            </a:schemeClr>
+          </a:lnRef>
+          <a:fillRef idx="1">
+            <a:schemeClr val="accent3"/>
+          </a:fillRef>
+          <a:effectRef idx="0">
+            <a:schemeClr val="accent3"/>
+          </a:effectRef>
+          <a:fontRef idx="minor">
+            <a:schemeClr val="lt1"/>
+          </a:fontRef>
+        </p:style>
+        <p:txBody>
+          <a:bodyPr rtlCol="0" anchor="ctr"/>
+          <a:lstStyle/>
+          <a:p>
+            <a:pPr algn="ctr"/>
+            <a:r>
+              <a:rPr lang="en-US" dirty="0" err="1"/>
+              <a:t>ListItem</a:t>
+            </a:r>
+            <a:endParaRPr lang="en-US" dirty="0"/>
+          </a:p>
+        </p:txBody>
+      </p:sp>
+      <p:sp>
+        <p:nvSpPr>
+          <p:cNvPr id="27" name="Arrow: Curved Right 26">
+            <a:extLst>
+              <a:ext uri="{FF2B5EF4-FFF2-40B4-BE49-F238E27FC236}">
+                <a16:creationId xmlns:a16="http://schemas.microsoft.com/office/drawing/2014/main" id="{4189B32B-AA6F-4913-BB16-0F0D3076514C}"/>
+              </a:ext>
+            </a:extLst>
+          </p:cNvPr>
+          <p:cNvSpPr/>
+          <p:nvPr/>
+        </p:nvSpPr>
+        <p:spPr>
+          <a:xfrm rot="5400000">
+            <a:off x="3060373" y="2077683"/>
+            <a:ext cx="326165" cy="2030493"/>
+          </a:xfrm>
+          <a:prstGeom prst="curvedRightArrow">
+            <a:avLst/>
+          </a:prstGeom>
+        </p:spPr>
+        <p:style>
+          <a:lnRef idx="2">
+            <a:schemeClr val="accent2">
+              <a:shade val="50000"/>
+            </a:schemeClr>
+          </a:lnRef>
+          <a:fillRef idx="1">
+            <a:schemeClr val="accent2"/>
+          </a:fillRef>
+          <a:effectRef idx="0">
+            <a:schemeClr val="accent2"/>
+          </a:effectRef>
+          <a:fontRef idx="minor">
+            <a:schemeClr val="lt1"/>
+          </a:fontRef>
+        </p:style>
+        <p:txBody>
+          <a:bodyPr rtlCol="0" anchor="ctr"/>
+          <a:lstStyle/>
+          <a:p>
+            <a:pPr algn="ctr"/>
+            <a:endParaRPr lang="en-US">
+              <a:solidFill>
+                <a:schemeClr val="tx1"/>
+              </a:solidFill>
+            </a:endParaRPr>
+          </a:p>
+        </p:txBody>
+      </p:sp>
+      <p:sp>
+        <p:nvSpPr>
+          <p:cNvPr id="28" name="Arrow: Curved Right 27">
+            <a:extLst>
+              <a:ext uri="{FF2B5EF4-FFF2-40B4-BE49-F238E27FC236}">
+                <a16:creationId xmlns:a16="http://schemas.microsoft.com/office/drawing/2014/main" id="{D2DD5B44-92D8-4BB6-87EE-CB1E1BC0D132}"/>
+              </a:ext>
+            </a:extLst>
+          </p:cNvPr>
+          <p:cNvSpPr/>
+          <p:nvPr/>
+        </p:nvSpPr>
+        <p:spPr>
+          <a:xfrm rot="16200000">
+            <a:off x="3133874" y="3184947"/>
+            <a:ext cx="326165" cy="2030493"/>
+          </a:xfrm>
+          <a:prstGeom prst="curvedRightArrow">
+            <a:avLst/>
+          </a:prstGeom>
+        </p:spPr>
+        <p:style>
+          <a:lnRef idx="2">
+            <a:schemeClr val="accent2">
+              <a:shade val="50000"/>
+            </a:schemeClr>
+          </a:lnRef>
+          <a:fillRef idx="1">
+            <a:schemeClr val="accent2"/>
+          </a:fillRef>
+          <a:effectRef idx="0">
+            <a:schemeClr val="accent2"/>
+          </a:effectRef>
+          <a:fontRef idx="minor">
+            <a:schemeClr val="lt1"/>
+          </a:fontRef>
+        </p:style>
+        <p:txBody>
+          <a:bodyPr rtlCol="0" anchor="ctr"/>
+          <a:lstStyle/>
+          <a:p>
+            <a:pPr algn="ctr"/>
+            <a:endParaRPr lang="en-US">
+              <a:solidFill>
+                <a:schemeClr val="tx1"/>
+              </a:solidFill>
+            </a:endParaRPr>
+          </a:p>
+        </p:txBody>
+      </p:sp>
+      <p:pic>
+        <p:nvPicPr>
+          <p:cNvPr id="29" name="Picture 2" descr="JUnit – About">
+            <a:extLst>
+              <a:ext uri="{FF2B5EF4-FFF2-40B4-BE49-F238E27FC236}">
+                <a16:creationId xmlns:a16="http://schemas.microsoft.com/office/drawing/2014/main" id="{D02AF563-0E03-4ECC-8C76-F8C12AC2B898}"/>
+              </a:ext>
+            </a:extLst>
+          </p:cNvPr>
+          <p:cNvPicPr>
+            <a:picLocks noChangeAspect="1" noChangeArrowheads="1"/>
+          </p:cNvPicPr>
+          <p:nvPr/>
+        </p:nvPicPr>
+        <p:blipFill>
+          <a:blip r:embed="rId2" cstate="print">
+            <a:extLst>
+              <a:ext uri="{28A0092B-C50C-407E-A947-70E740481C1C}">
+                <a14:useLocalDpi xmlns:a14="http://schemas.microsoft.com/office/drawing/2010/main" val="0"/>
+              </a:ext>
+            </a:extLst>
+          </a:blip>
+          <a:srcRect/>
+          <a:stretch>
+            <a:fillRect/>
+          </a:stretch>
+        </p:blipFill>
+        <p:spPr bwMode="auto">
+          <a:xfrm>
+            <a:off x="3971128" y="3518826"/>
+            <a:ext cx="836085" cy="255471"/>
+          </a:xfrm>
+          <a:prstGeom prst="rect">
+            <a:avLst/>
+          </a:prstGeom>
+          <a:noFill/>
+          <a:extLst>
+            <a:ext uri="{909E8E84-426E-40DD-AFC4-6F175D3DCCD1}">
+              <a14:hiddenFill xmlns:a14="http://schemas.microsoft.com/office/drawing/2010/main">
+                <a:solidFill>
+                  <a:srgbClr val="FFFFFF"/>
+                </a:solidFill>
+              </a14:hiddenFill>
+            </a:ext>
+          </a:extLst>
+        </p:spPr>
+      </p:pic>
+      <p:pic>
+        <p:nvPicPr>
+          <p:cNvPr id="30" name="Graphic 29" descr="Exclamation mark">
+            <a:extLst>
+              <a:ext uri="{FF2B5EF4-FFF2-40B4-BE49-F238E27FC236}">
+                <a16:creationId xmlns:a16="http://schemas.microsoft.com/office/drawing/2014/main" id="{5BA9DC86-E16B-4F29-A991-399D437F09D8}"/>
+              </a:ext>
+            </a:extLst>
+          </p:cNvPr>
+          <p:cNvPicPr>
+            <a:picLocks noChangeAspect="1"/>
+          </p:cNvPicPr>
+          <p:nvPr/>
+        </p:nvPicPr>
+        <p:blipFill>
+          <a:blip r:embed="rId3">
+            <a:extLst>
+              <a:ext uri="{28A0092B-C50C-407E-A947-70E740481C1C}">
+                <a14:useLocalDpi xmlns:a14="http://schemas.microsoft.com/office/drawing/2010/main" val="0"/>
+              </a:ext>
+              <a:ext uri="{96DAC541-7B7A-43D3-8B79-37D633B846F1}">
+                <asvg:svgBlip xmlns:asvg="http://schemas.microsoft.com/office/drawing/2016/SVG/main" r:embed="rId4"/>
+              </a:ext>
+            </a:extLst>
+          </a:blip>
+          <a:stretch>
+            <a:fillRect/>
+          </a:stretch>
+        </p:blipFill>
+        <p:spPr>
+          <a:xfrm>
+            <a:off x="3078748" y="3918530"/>
+            <a:ext cx="436418" cy="436418"/>
+          </a:xfrm>
+          <a:prstGeom prst="rect">
+            <a:avLst/>
+          </a:prstGeom>
+        </p:spPr>
+      </p:pic>
+      <p:pic>
+        <p:nvPicPr>
+          <p:cNvPr id="31" name="Graphic 30" descr="Question Mark">
+            <a:extLst>
+              <a:ext uri="{FF2B5EF4-FFF2-40B4-BE49-F238E27FC236}">
+                <a16:creationId xmlns:a16="http://schemas.microsoft.com/office/drawing/2014/main" id="{6B9F9B56-E358-4A7C-9A03-D8933816FC20}"/>
+              </a:ext>
+            </a:extLst>
+          </p:cNvPr>
+          <p:cNvPicPr>
+            <a:picLocks noChangeAspect="1"/>
+          </p:cNvPicPr>
+          <p:nvPr/>
+        </p:nvPicPr>
+        <p:blipFill>
+          <a:blip r:embed="rId5">
+            <a:extLst>
+              <a:ext uri="{28A0092B-C50C-407E-A947-70E740481C1C}">
+                <a14:useLocalDpi xmlns:a14="http://schemas.microsoft.com/office/drawing/2010/main" val="0"/>
+              </a:ext>
+              <a:ext uri="{96DAC541-7B7A-43D3-8B79-37D633B846F1}">
+                <asvg:svgBlip xmlns:asvg="http://schemas.microsoft.com/office/drawing/2016/SVG/main" r:embed="rId6"/>
+              </a:ext>
+            </a:extLst>
+          </a:blip>
+          <a:stretch>
+            <a:fillRect/>
+          </a:stretch>
+        </p:blipFill>
+        <p:spPr>
+          <a:xfrm>
+            <a:off x="3078748" y="2938175"/>
+            <a:ext cx="436418" cy="436418"/>
+          </a:xfrm>
+          <a:prstGeom prst="rect">
+            <a:avLst/>
+          </a:prstGeom>
+        </p:spPr>
+      </p:pic>
       <p:cxnSp>
         <p:nvCxnSpPr>
           <p:cNvPr id="32" name="Straight Connector 31">
@@ -23727,22 +24058,747 @@
   <p:clrMapOvr>
     <a:masterClrMapping/>
   </p:clrMapOvr>
-  <mc:AlternateContent xmlns:mc="http://schemas.openxmlformats.org/markup-compatibility/2006">
-    <mc:Choice xmlns:p159="http://schemas.microsoft.com/office/powerpoint/2015/09/main" Requires="p159">
+  <mc:AlternateContent xmlns:mc="http://schemas.openxmlformats.org/markup-compatibility/2006" xmlns:p159="http://schemas.microsoft.com/office/powerpoint/2015/09/main">
+    <mc:Choice Requires="p159">
       <p:transition xmlns:p14="http://schemas.microsoft.com/office/powerpoint/2010/main" spd="slow" p14:dur="2000">
         <p159:morph option="byObject"/>
       </p:transition>
     </mc:Choice>
-    <mc:Fallback>
+    <mc:Fallback xmlns="">
       <p:transition spd="slow">
         <p:fade/>
       </p:transition>
     </mc:Fallback>
   </mc:AlternateContent>
+  <p:timing>
+    <p:tnLst>
+      <p:par>
+        <p:cTn id="1" dur="indefinite" restart="never" nodeType="tmRoot">
+          <p:childTnLst>
+            <p:seq concurrent="1" nextAc="seek">
+              <p:cTn id="2" dur="indefinite" nodeType="mainSeq">
+                <p:childTnLst>
+                  <p:par>
+                    <p:cTn id="3" fill="hold">
+                      <p:stCondLst>
+                        <p:cond delay="indefinite"/>
+                      </p:stCondLst>
+                      <p:childTnLst>
+                        <p:par>
+                          <p:cTn id="4" fill="hold">
+                            <p:stCondLst>
+                              <p:cond delay="0"/>
+                            </p:stCondLst>
+                            <p:childTnLst>
+                              <p:par>
+                                <p:cTn id="5" presetID="10" presetClass="entr" presetSubtype="0" fill="hold" grpId="0" nodeType="clickEffect">
+                                  <p:stCondLst>
+                                    <p:cond delay="0"/>
+                                  </p:stCondLst>
+                                  <p:childTnLst>
+                                    <p:set>
+                                      <p:cBhvr>
+                                        <p:cTn id="6" dur="1" fill="hold">
+                                          <p:stCondLst>
+                                            <p:cond delay="0"/>
+                                          </p:stCondLst>
+                                        </p:cTn>
+                                        <p:tgtEl>
+                                          <p:spTgt spid="14"/>
+                                        </p:tgtEl>
+                                        <p:attrNameLst>
+                                          <p:attrName>style.visibility</p:attrName>
+                                        </p:attrNameLst>
+                                      </p:cBhvr>
+                                      <p:to>
+                                        <p:strVal val="visible"/>
+                                      </p:to>
+                                    </p:set>
+                                    <p:animEffect transition="in" filter="fade">
+                                      <p:cBhvr>
+                                        <p:cTn id="7" dur="500"/>
+                                        <p:tgtEl>
+                                          <p:spTgt spid="14"/>
+                                        </p:tgtEl>
+                                      </p:cBhvr>
+                                    </p:animEffect>
+                                  </p:childTnLst>
+                                </p:cTn>
+                              </p:par>
+                              <p:par>
+                                <p:cTn id="8" presetID="10" presetClass="entr" presetSubtype="0" fill="hold" nodeType="withEffect">
+                                  <p:stCondLst>
+                                    <p:cond delay="0"/>
+                                  </p:stCondLst>
+                                  <p:childTnLst>
+                                    <p:set>
+                                      <p:cBhvr>
+                                        <p:cTn id="9" dur="1" fill="hold">
+                                          <p:stCondLst>
+                                            <p:cond delay="0"/>
+                                          </p:stCondLst>
+                                        </p:cTn>
+                                        <p:tgtEl>
+                                          <p:spTgt spid="22"/>
+                                        </p:tgtEl>
+                                        <p:attrNameLst>
+                                          <p:attrName>style.visibility</p:attrName>
+                                        </p:attrNameLst>
+                                      </p:cBhvr>
+                                      <p:to>
+                                        <p:strVal val="visible"/>
+                                      </p:to>
+                                    </p:set>
+                                    <p:animEffect transition="in" filter="fade">
+                                      <p:cBhvr>
+                                        <p:cTn id="10" dur="500"/>
+                                        <p:tgtEl>
+                                          <p:spTgt spid="22"/>
+                                        </p:tgtEl>
+                                      </p:cBhvr>
+                                    </p:animEffect>
+                                  </p:childTnLst>
+                                </p:cTn>
+                              </p:par>
+                              <p:par>
+                                <p:cTn id="11" presetID="10" presetClass="entr" presetSubtype="0" fill="hold" nodeType="withEffect">
+                                  <p:stCondLst>
+                                    <p:cond delay="0"/>
+                                  </p:stCondLst>
+                                  <p:childTnLst>
+                                    <p:set>
+                                      <p:cBhvr>
+                                        <p:cTn id="12" dur="1" fill="hold">
+                                          <p:stCondLst>
+                                            <p:cond delay="0"/>
+                                          </p:stCondLst>
+                                        </p:cTn>
+                                        <p:tgtEl>
+                                          <p:spTgt spid="1026"/>
+                                        </p:tgtEl>
+                                        <p:attrNameLst>
+                                          <p:attrName>style.visibility</p:attrName>
+                                        </p:attrNameLst>
+                                      </p:cBhvr>
+                                      <p:to>
+                                        <p:strVal val="visible"/>
+                                      </p:to>
+                                    </p:set>
+                                    <p:animEffect transition="in" filter="fade">
+                                      <p:cBhvr>
+                                        <p:cTn id="13" dur="500"/>
+                                        <p:tgtEl>
+                                          <p:spTgt spid="1026"/>
+                                        </p:tgtEl>
+                                      </p:cBhvr>
+                                    </p:animEffect>
+                                  </p:childTnLst>
+                                </p:cTn>
+                              </p:par>
+                              <p:par>
+                                <p:cTn id="14" presetID="10" presetClass="entr" presetSubtype="0" fill="hold" grpId="0" nodeType="withEffect">
+                                  <p:stCondLst>
+                                    <p:cond delay="0"/>
+                                  </p:stCondLst>
+                                  <p:childTnLst>
+                                    <p:set>
+                                      <p:cBhvr>
+                                        <p:cTn id="15" dur="1" fill="hold">
+                                          <p:stCondLst>
+                                            <p:cond delay="0"/>
+                                          </p:stCondLst>
+                                        </p:cTn>
+                                        <p:tgtEl>
+                                          <p:spTgt spid="4"/>
+                                        </p:tgtEl>
+                                        <p:attrNameLst>
+                                          <p:attrName>style.visibility</p:attrName>
+                                        </p:attrNameLst>
+                                      </p:cBhvr>
+                                      <p:to>
+                                        <p:strVal val="visible"/>
+                                      </p:to>
+                                    </p:set>
+                                    <p:animEffect transition="in" filter="fade">
+                                      <p:cBhvr>
+                                        <p:cTn id="16" dur="500"/>
+                                        <p:tgtEl>
+                                          <p:spTgt spid="4"/>
+                                        </p:tgtEl>
+                                      </p:cBhvr>
+                                    </p:animEffect>
+                                  </p:childTnLst>
+                                </p:cTn>
+                              </p:par>
+                              <p:par>
+                                <p:cTn id="17" presetID="10" presetClass="entr" presetSubtype="0" fill="hold" grpId="0" nodeType="withEffect">
+                                  <p:stCondLst>
+                                    <p:cond delay="0"/>
+                                  </p:stCondLst>
+                                  <p:childTnLst>
+                                    <p:set>
+                                      <p:cBhvr>
+                                        <p:cTn id="18" dur="1" fill="hold">
+                                          <p:stCondLst>
+                                            <p:cond delay="0"/>
+                                          </p:stCondLst>
+                                        </p:cTn>
+                                        <p:tgtEl>
+                                          <p:spTgt spid="16"/>
+                                        </p:tgtEl>
+                                        <p:attrNameLst>
+                                          <p:attrName>style.visibility</p:attrName>
+                                        </p:attrNameLst>
+                                      </p:cBhvr>
+                                      <p:to>
+                                        <p:strVal val="visible"/>
+                                      </p:to>
+                                    </p:set>
+                                    <p:animEffect transition="in" filter="fade">
+                                      <p:cBhvr>
+                                        <p:cTn id="19" dur="500"/>
+                                        <p:tgtEl>
+                                          <p:spTgt spid="16"/>
+                                        </p:tgtEl>
+                                      </p:cBhvr>
+                                    </p:animEffect>
+                                  </p:childTnLst>
+                                </p:cTn>
+                              </p:par>
+                              <p:par>
+                                <p:cTn id="20" presetID="10" presetClass="entr" presetSubtype="0" fill="hold" nodeType="withEffect">
+                                  <p:stCondLst>
+                                    <p:cond delay="0"/>
+                                  </p:stCondLst>
+                                  <p:childTnLst>
+                                    <p:set>
+                                      <p:cBhvr>
+                                        <p:cTn id="21" dur="1" fill="hold">
+                                          <p:stCondLst>
+                                            <p:cond delay="0"/>
+                                          </p:stCondLst>
+                                        </p:cTn>
+                                        <p:tgtEl>
+                                          <p:spTgt spid="20"/>
+                                        </p:tgtEl>
+                                        <p:attrNameLst>
+                                          <p:attrName>style.visibility</p:attrName>
+                                        </p:attrNameLst>
+                                      </p:cBhvr>
+                                      <p:to>
+                                        <p:strVal val="visible"/>
+                                      </p:to>
+                                    </p:set>
+                                    <p:animEffect transition="in" filter="fade">
+                                      <p:cBhvr>
+                                        <p:cTn id="22" dur="500"/>
+                                        <p:tgtEl>
+                                          <p:spTgt spid="20"/>
+                                        </p:tgtEl>
+                                      </p:cBhvr>
+                                    </p:animEffect>
+                                  </p:childTnLst>
+                                </p:cTn>
+                              </p:par>
+                            </p:childTnLst>
+                          </p:cTn>
+                        </p:par>
+                      </p:childTnLst>
+                    </p:cTn>
+                  </p:par>
+                  <p:par>
+                    <p:cTn id="23" fill="hold">
+                      <p:stCondLst>
+                        <p:cond delay="indefinite"/>
+                      </p:stCondLst>
+                      <p:childTnLst>
+                        <p:par>
+                          <p:cTn id="24" fill="hold">
+                            <p:stCondLst>
+                              <p:cond delay="0"/>
+                            </p:stCondLst>
+                            <p:childTnLst>
+                              <p:par>
+                                <p:cTn id="25" presetID="10" presetClass="entr" presetSubtype="0" fill="hold" grpId="0" nodeType="clickEffect">
+                                  <p:stCondLst>
+                                    <p:cond delay="0"/>
+                                  </p:stCondLst>
+                                  <p:childTnLst>
+                                    <p:set>
+                                      <p:cBhvr>
+                                        <p:cTn id="26" dur="1" fill="hold">
+                                          <p:stCondLst>
+                                            <p:cond delay="0"/>
+                                          </p:stCondLst>
+                                        </p:cTn>
+                                        <p:tgtEl>
+                                          <p:spTgt spid="17"/>
+                                        </p:tgtEl>
+                                        <p:attrNameLst>
+                                          <p:attrName>style.visibility</p:attrName>
+                                        </p:attrNameLst>
+                                      </p:cBhvr>
+                                      <p:to>
+                                        <p:strVal val="visible"/>
+                                      </p:to>
+                                    </p:set>
+                                    <p:animEffect transition="in" filter="fade">
+                                      <p:cBhvr>
+                                        <p:cTn id="27" dur="500"/>
+                                        <p:tgtEl>
+                                          <p:spTgt spid="17"/>
+                                        </p:tgtEl>
+                                      </p:cBhvr>
+                                    </p:animEffect>
+                                  </p:childTnLst>
+                                </p:cTn>
+                              </p:par>
+                              <p:par>
+                                <p:cTn id="28" presetID="10" presetClass="entr" presetSubtype="0" fill="hold" nodeType="withEffect">
+                                  <p:stCondLst>
+                                    <p:cond delay="0"/>
+                                  </p:stCondLst>
+                                  <p:childTnLst>
+                                    <p:set>
+                                      <p:cBhvr>
+                                        <p:cTn id="29" dur="1" fill="hold">
+                                          <p:stCondLst>
+                                            <p:cond delay="0"/>
+                                          </p:stCondLst>
+                                        </p:cTn>
+                                        <p:tgtEl>
+                                          <p:spTgt spid="23"/>
+                                        </p:tgtEl>
+                                        <p:attrNameLst>
+                                          <p:attrName>style.visibility</p:attrName>
+                                        </p:attrNameLst>
+                                      </p:cBhvr>
+                                      <p:to>
+                                        <p:strVal val="visible"/>
+                                      </p:to>
+                                    </p:set>
+                                    <p:animEffect transition="in" filter="fade">
+                                      <p:cBhvr>
+                                        <p:cTn id="30" dur="500"/>
+                                        <p:tgtEl>
+                                          <p:spTgt spid="23"/>
+                                        </p:tgtEl>
+                                      </p:cBhvr>
+                                    </p:animEffect>
+                                  </p:childTnLst>
+                                </p:cTn>
+                              </p:par>
+                              <p:par>
+                                <p:cTn id="31" presetID="10" presetClass="entr" presetSubtype="0" fill="hold" nodeType="withEffect">
+                                  <p:stCondLst>
+                                    <p:cond delay="0"/>
+                                  </p:stCondLst>
+                                  <p:childTnLst>
+                                    <p:set>
+                                      <p:cBhvr>
+                                        <p:cTn id="32" dur="1" fill="hold">
+                                          <p:stCondLst>
+                                            <p:cond delay="0"/>
+                                          </p:stCondLst>
+                                        </p:cTn>
+                                        <p:tgtEl>
+                                          <p:spTgt spid="19"/>
+                                        </p:tgtEl>
+                                        <p:attrNameLst>
+                                          <p:attrName>style.visibility</p:attrName>
+                                        </p:attrNameLst>
+                                      </p:cBhvr>
+                                      <p:to>
+                                        <p:strVal val="visible"/>
+                                      </p:to>
+                                    </p:set>
+                                    <p:animEffect transition="in" filter="fade">
+                                      <p:cBhvr>
+                                        <p:cTn id="33" dur="500"/>
+                                        <p:tgtEl>
+                                          <p:spTgt spid="19"/>
+                                        </p:tgtEl>
+                                      </p:cBhvr>
+                                    </p:animEffect>
+                                  </p:childTnLst>
+                                </p:cTn>
+                              </p:par>
+                              <p:par>
+                                <p:cTn id="34" presetID="10" presetClass="entr" presetSubtype="0" fill="hold" grpId="0" nodeType="withEffect">
+                                  <p:stCondLst>
+                                    <p:cond delay="0"/>
+                                  </p:stCondLst>
+                                  <p:childTnLst>
+                                    <p:set>
+                                      <p:cBhvr>
+                                        <p:cTn id="35" dur="1" fill="hold">
+                                          <p:stCondLst>
+                                            <p:cond delay="0"/>
+                                          </p:stCondLst>
+                                        </p:cTn>
+                                        <p:tgtEl>
+                                          <p:spTgt spid="13"/>
+                                        </p:tgtEl>
+                                        <p:attrNameLst>
+                                          <p:attrName>style.visibility</p:attrName>
+                                        </p:attrNameLst>
+                                      </p:cBhvr>
+                                      <p:to>
+                                        <p:strVal val="visible"/>
+                                      </p:to>
+                                    </p:set>
+                                    <p:animEffect transition="in" filter="fade">
+                                      <p:cBhvr>
+                                        <p:cTn id="36" dur="500"/>
+                                        <p:tgtEl>
+                                          <p:spTgt spid="13"/>
+                                        </p:tgtEl>
+                                      </p:cBhvr>
+                                    </p:animEffect>
+                                  </p:childTnLst>
+                                </p:cTn>
+                              </p:par>
+                              <p:par>
+                                <p:cTn id="37" presetID="10" presetClass="entr" presetSubtype="0" fill="hold" grpId="0" nodeType="withEffect">
+                                  <p:stCondLst>
+                                    <p:cond delay="0"/>
+                                  </p:stCondLst>
+                                  <p:childTnLst>
+                                    <p:set>
+                                      <p:cBhvr>
+                                        <p:cTn id="38" dur="1" fill="hold">
+                                          <p:stCondLst>
+                                            <p:cond delay="0"/>
+                                          </p:stCondLst>
+                                        </p:cTn>
+                                        <p:tgtEl>
+                                          <p:spTgt spid="18"/>
+                                        </p:tgtEl>
+                                        <p:attrNameLst>
+                                          <p:attrName>style.visibility</p:attrName>
+                                        </p:attrNameLst>
+                                      </p:cBhvr>
+                                      <p:to>
+                                        <p:strVal val="visible"/>
+                                      </p:to>
+                                    </p:set>
+                                    <p:animEffect transition="in" filter="fade">
+                                      <p:cBhvr>
+                                        <p:cTn id="39" dur="500"/>
+                                        <p:tgtEl>
+                                          <p:spTgt spid="18"/>
+                                        </p:tgtEl>
+                                      </p:cBhvr>
+                                    </p:animEffect>
+                                  </p:childTnLst>
+                                </p:cTn>
+                              </p:par>
+                              <p:par>
+                                <p:cTn id="40" presetID="10" presetClass="entr" presetSubtype="0" fill="hold" nodeType="withEffect">
+                                  <p:stCondLst>
+                                    <p:cond delay="0"/>
+                                  </p:stCondLst>
+                                  <p:childTnLst>
+                                    <p:set>
+                                      <p:cBhvr>
+                                        <p:cTn id="41" dur="1" fill="hold">
+                                          <p:stCondLst>
+                                            <p:cond delay="0"/>
+                                          </p:stCondLst>
+                                        </p:cTn>
+                                        <p:tgtEl>
+                                          <p:spTgt spid="21"/>
+                                        </p:tgtEl>
+                                        <p:attrNameLst>
+                                          <p:attrName>style.visibility</p:attrName>
+                                        </p:attrNameLst>
+                                      </p:cBhvr>
+                                      <p:to>
+                                        <p:strVal val="visible"/>
+                                      </p:to>
+                                    </p:set>
+                                    <p:animEffect transition="in" filter="fade">
+                                      <p:cBhvr>
+                                        <p:cTn id="42" dur="500"/>
+                                        <p:tgtEl>
+                                          <p:spTgt spid="21"/>
+                                        </p:tgtEl>
+                                      </p:cBhvr>
+                                    </p:animEffect>
+                                  </p:childTnLst>
+                                </p:cTn>
+                              </p:par>
+                            </p:childTnLst>
+                          </p:cTn>
+                        </p:par>
+                      </p:childTnLst>
+                    </p:cTn>
+                  </p:par>
+                  <p:par>
+                    <p:cTn id="43" fill="hold">
+                      <p:stCondLst>
+                        <p:cond delay="indefinite"/>
+                      </p:stCondLst>
+                      <p:childTnLst>
+                        <p:par>
+                          <p:cTn id="44" fill="hold">
+                            <p:stCondLst>
+                              <p:cond delay="0"/>
+                            </p:stCondLst>
+                            <p:childTnLst>
+                              <p:par>
+                                <p:cTn id="45" presetID="10" presetClass="entr" presetSubtype="0" fill="hold" nodeType="clickEffect">
+                                  <p:stCondLst>
+                                    <p:cond delay="0"/>
+                                  </p:stCondLst>
+                                  <p:childTnLst>
+                                    <p:set>
+                                      <p:cBhvr>
+                                        <p:cTn id="46" dur="1" fill="hold">
+                                          <p:stCondLst>
+                                            <p:cond delay="0"/>
+                                          </p:stCondLst>
+                                        </p:cTn>
+                                        <p:tgtEl>
+                                          <p:spTgt spid="29"/>
+                                        </p:tgtEl>
+                                        <p:attrNameLst>
+                                          <p:attrName>style.visibility</p:attrName>
+                                        </p:attrNameLst>
+                                      </p:cBhvr>
+                                      <p:to>
+                                        <p:strVal val="visible"/>
+                                      </p:to>
+                                    </p:set>
+                                    <p:animEffect transition="in" filter="fade">
+                                      <p:cBhvr>
+                                        <p:cTn id="47" dur="500"/>
+                                        <p:tgtEl>
+                                          <p:spTgt spid="29"/>
+                                        </p:tgtEl>
+                                      </p:cBhvr>
+                                    </p:animEffect>
+                                  </p:childTnLst>
+                                </p:cTn>
+                              </p:par>
+                              <p:par>
+                                <p:cTn id="48" presetID="10" presetClass="entr" presetSubtype="0" fill="hold" grpId="0" nodeType="withEffect">
+                                  <p:stCondLst>
+                                    <p:cond delay="0"/>
+                                  </p:stCondLst>
+                                  <p:childTnLst>
+                                    <p:set>
+                                      <p:cBhvr>
+                                        <p:cTn id="49" dur="1" fill="hold">
+                                          <p:stCondLst>
+                                            <p:cond delay="0"/>
+                                          </p:stCondLst>
+                                        </p:cTn>
+                                        <p:tgtEl>
+                                          <p:spTgt spid="25"/>
+                                        </p:tgtEl>
+                                        <p:attrNameLst>
+                                          <p:attrName>style.visibility</p:attrName>
+                                        </p:attrNameLst>
+                                      </p:cBhvr>
+                                      <p:to>
+                                        <p:strVal val="visible"/>
+                                      </p:to>
+                                    </p:set>
+                                    <p:animEffect transition="in" filter="fade">
+                                      <p:cBhvr>
+                                        <p:cTn id="50" dur="500"/>
+                                        <p:tgtEl>
+                                          <p:spTgt spid="25"/>
+                                        </p:tgtEl>
+                                      </p:cBhvr>
+                                    </p:animEffect>
+                                  </p:childTnLst>
+                                </p:cTn>
+                              </p:par>
+                              <p:par>
+                                <p:cTn id="51" presetID="10" presetClass="entr" presetSubtype="0" fill="hold" nodeType="withEffect">
+                                  <p:stCondLst>
+                                    <p:cond delay="0"/>
+                                  </p:stCondLst>
+                                  <p:childTnLst>
+                                    <p:set>
+                                      <p:cBhvr>
+                                        <p:cTn id="52" dur="1" fill="hold">
+                                          <p:stCondLst>
+                                            <p:cond delay="0"/>
+                                          </p:stCondLst>
+                                        </p:cTn>
+                                        <p:tgtEl>
+                                          <p:spTgt spid="31"/>
+                                        </p:tgtEl>
+                                        <p:attrNameLst>
+                                          <p:attrName>style.visibility</p:attrName>
+                                        </p:attrNameLst>
+                                      </p:cBhvr>
+                                      <p:to>
+                                        <p:strVal val="visible"/>
+                                      </p:to>
+                                    </p:set>
+                                    <p:animEffect transition="in" filter="fade">
+                                      <p:cBhvr>
+                                        <p:cTn id="53" dur="500"/>
+                                        <p:tgtEl>
+                                          <p:spTgt spid="31"/>
+                                        </p:tgtEl>
+                                      </p:cBhvr>
+                                    </p:animEffect>
+                                  </p:childTnLst>
+                                </p:cTn>
+                              </p:par>
+                              <p:par>
+                                <p:cTn id="54" presetID="10" presetClass="entr" presetSubtype="0" fill="hold" nodeType="withEffect">
+                                  <p:stCondLst>
+                                    <p:cond delay="0"/>
+                                  </p:stCondLst>
+                                  <p:childTnLst>
+                                    <p:set>
+                                      <p:cBhvr>
+                                        <p:cTn id="55" dur="1" fill="hold">
+                                          <p:stCondLst>
+                                            <p:cond delay="0"/>
+                                          </p:stCondLst>
+                                        </p:cTn>
+                                        <p:tgtEl>
+                                          <p:spTgt spid="30"/>
+                                        </p:tgtEl>
+                                        <p:attrNameLst>
+                                          <p:attrName>style.visibility</p:attrName>
+                                        </p:attrNameLst>
+                                      </p:cBhvr>
+                                      <p:to>
+                                        <p:strVal val="visible"/>
+                                      </p:to>
+                                    </p:set>
+                                    <p:animEffect transition="in" filter="fade">
+                                      <p:cBhvr>
+                                        <p:cTn id="56" dur="500"/>
+                                        <p:tgtEl>
+                                          <p:spTgt spid="30"/>
+                                        </p:tgtEl>
+                                      </p:cBhvr>
+                                    </p:animEffect>
+                                  </p:childTnLst>
+                                </p:cTn>
+                              </p:par>
+                              <p:par>
+                                <p:cTn id="57" presetID="10" presetClass="entr" presetSubtype="0" fill="hold" grpId="0" nodeType="withEffect">
+                                  <p:stCondLst>
+                                    <p:cond delay="0"/>
+                                  </p:stCondLst>
+                                  <p:childTnLst>
+                                    <p:set>
+                                      <p:cBhvr>
+                                        <p:cTn id="58" dur="1" fill="hold">
+                                          <p:stCondLst>
+                                            <p:cond delay="0"/>
+                                          </p:stCondLst>
+                                        </p:cTn>
+                                        <p:tgtEl>
+                                          <p:spTgt spid="28"/>
+                                        </p:tgtEl>
+                                        <p:attrNameLst>
+                                          <p:attrName>style.visibility</p:attrName>
+                                        </p:attrNameLst>
+                                      </p:cBhvr>
+                                      <p:to>
+                                        <p:strVal val="visible"/>
+                                      </p:to>
+                                    </p:set>
+                                    <p:animEffect transition="in" filter="fade">
+                                      <p:cBhvr>
+                                        <p:cTn id="59" dur="500"/>
+                                        <p:tgtEl>
+                                          <p:spTgt spid="28"/>
+                                        </p:tgtEl>
+                                      </p:cBhvr>
+                                    </p:animEffect>
+                                  </p:childTnLst>
+                                </p:cTn>
+                              </p:par>
+                              <p:par>
+                                <p:cTn id="60" presetID="10" presetClass="entr" presetSubtype="0" fill="hold" grpId="0" nodeType="withEffect">
+                                  <p:stCondLst>
+                                    <p:cond delay="0"/>
+                                  </p:stCondLst>
+                                  <p:childTnLst>
+                                    <p:set>
+                                      <p:cBhvr>
+                                        <p:cTn id="61" dur="1" fill="hold">
+                                          <p:stCondLst>
+                                            <p:cond delay="0"/>
+                                          </p:stCondLst>
+                                        </p:cTn>
+                                        <p:tgtEl>
+                                          <p:spTgt spid="27"/>
+                                        </p:tgtEl>
+                                        <p:attrNameLst>
+                                          <p:attrName>style.visibility</p:attrName>
+                                        </p:attrNameLst>
+                                      </p:cBhvr>
+                                      <p:to>
+                                        <p:strVal val="visible"/>
+                                      </p:to>
+                                    </p:set>
+                                    <p:animEffect transition="in" filter="fade">
+                                      <p:cBhvr>
+                                        <p:cTn id="62" dur="500"/>
+                                        <p:tgtEl>
+                                          <p:spTgt spid="27"/>
+                                        </p:tgtEl>
+                                      </p:cBhvr>
+                                    </p:animEffect>
+                                  </p:childTnLst>
+                                </p:cTn>
+                              </p:par>
+                            </p:childTnLst>
+                          </p:cTn>
+                        </p:par>
+                      </p:childTnLst>
+                    </p:cTn>
+                  </p:par>
+                </p:childTnLst>
+              </p:cTn>
+              <p:prevCondLst>
+                <p:cond evt="onPrev" delay="0">
+                  <p:tgtEl>
+                    <p:sldTgt/>
+                  </p:tgtEl>
+                </p:cond>
+              </p:prevCondLst>
+              <p:nextCondLst>
+                <p:cond evt="onNext" delay="0">
+                  <p:tgtEl>
+                    <p:sldTgt/>
+                  </p:tgtEl>
+                </p:cond>
+              </p:nextCondLst>
+            </p:seq>
+          </p:childTnLst>
+        </p:cTn>
+      </p:par>
+    </p:tnLst>
+    <p:bldLst>
+      <p:bldP spid="4" grpId="0" animBg="1"/>
+      <p:bldP spid="14" grpId="0" animBg="1"/>
+      <p:bldP spid="16" grpId="0" animBg="1"/>
+      <p:bldP spid="13" grpId="0" animBg="1"/>
+      <p:bldP spid="17" grpId="0" animBg="1"/>
+      <p:bldP spid="18" grpId="0" animBg="1"/>
+      <p:bldP spid="25" grpId="0" animBg="1"/>
+      <p:bldP spid="27" grpId="0" animBg="1"/>
+      <p:bldP spid="28" grpId="0" animBg="1"/>
+    </p:bldLst>
+  </p:timing>
 </p:sld>
 </file>
 
-<file path=ppt/slides/slide7.xml><?xml version="1.0" encoding="utf-8"?>
+<file path=ppt/slides/slide8.xml><?xml version="1.0" encoding="utf-8"?>
 <p:sld xmlns:a="http://schemas.openxmlformats.org/drawingml/2006/main" xmlns:r="http://schemas.openxmlformats.org/officeDocument/2006/relationships" xmlns:p="http://schemas.openxmlformats.org/presentationml/2006/main">
   <p:cSld>
     <p:spTree>
@@ -23819,7 +24875,7 @@
             <a:fld id="{3A707DD9-E92B-45E8-BE0A-E6B2EDF345EB}" type="slidenum">
               <a:rPr lang="en-US" smtClean="0"/>
               <a:pPr/>
-              <a:t>7</a:t>
+              <a:t>8</a:t>
             </a:fld>
             <a:endParaRPr lang="en-US" dirty="0"/>
           </a:p>

--- a/lecture_1_intro.pptx
+++ b/lecture_1_intro.pptx
@@ -7,10 +7,10 @@
     <p:sldMasterId id="2147483663" r:id="rId3"/>
   </p:sldMasterIdLst>
   <p:notesMasterIdLst>
-    <p:notesMasterId r:id="rId12"/>
+    <p:notesMasterId r:id="rId14"/>
   </p:notesMasterIdLst>
   <p:handoutMasterIdLst>
-    <p:handoutMasterId r:id="rId13"/>
+    <p:handoutMasterId r:id="rId15"/>
   </p:handoutMasterIdLst>
   <p:sldIdLst>
     <p:sldId id="256" r:id="rId4"/>
@@ -20,7 +20,9 @@
     <p:sldId id="278" r:id="rId8"/>
     <p:sldId id="281" r:id="rId9"/>
     <p:sldId id="280" r:id="rId10"/>
-    <p:sldId id="282" r:id="rId11"/>
+    <p:sldId id="284" r:id="rId11"/>
+    <p:sldId id="282" r:id="rId12"/>
+    <p:sldId id="285" r:id="rId13"/>
   </p:sldIdLst>
   <p:sldSz cx="9144000" cy="5143500" type="screen16x9"/>
   <p:notesSz cx="6858000" cy="9144000"/>
@@ -655,6 +657,135 @@
 </p:notesMaster>
 </file>
 
+<file path=ppt/notesSlides/notesSlide1.xml><?xml version="1.0" encoding="utf-8"?>
+<p:notes xmlns:a="http://schemas.openxmlformats.org/drawingml/2006/main" xmlns:r="http://schemas.openxmlformats.org/officeDocument/2006/relationships" xmlns:p="http://schemas.openxmlformats.org/presentationml/2006/main">
+  <p:cSld>
+    <p:spTree>
+      <p:nvGrpSpPr>
+        <p:cNvPr id="1" name=""/>
+        <p:cNvGrpSpPr/>
+        <p:nvPr/>
+      </p:nvGrpSpPr>
+      <p:grpSpPr>
+        <a:xfrm>
+          <a:off x="0" y="0"/>
+          <a:ext cx="0" cy="0"/>
+          <a:chOff x="0" y="0"/>
+          <a:chExt cx="0" cy="0"/>
+        </a:xfrm>
+      </p:grpSpPr>
+      <p:sp>
+        <p:nvSpPr>
+          <p:cNvPr id="2" name="Slide Image Placeholder 1"/>
+          <p:cNvSpPr>
+            <a:spLocks noGrp="1" noRot="1" noChangeAspect="1"/>
+          </p:cNvSpPr>
+          <p:nvPr>
+            <p:ph type="sldImg"/>
+          </p:nvPr>
+        </p:nvSpPr>
+        <p:spPr/>
+      </p:sp>
+      <p:sp>
+        <p:nvSpPr>
+          <p:cNvPr id="3" name="Notes Placeholder 2"/>
+          <p:cNvSpPr>
+            <a:spLocks noGrp="1"/>
+          </p:cNvSpPr>
+          <p:nvPr>
+            <p:ph type="body" idx="1"/>
+          </p:nvPr>
+        </p:nvSpPr>
+        <p:spPr/>
+        <p:txBody>
+          <a:bodyPr/>
+          <a:lstStyle/>
+          <a:p>
+            <a:pPr marL="171450" indent="-171450">
+              <a:buFont typeface="Arial" panose="020B0604020202020204" pitchFamily="34" charset="0"/>
+              <a:buChar char="•"/>
+            </a:pPr>
+            <a:r>
+              <a:rPr lang="en-US" dirty="0"/>
+              <a:t>Hello World!</a:t>
+            </a:r>
+          </a:p>
+          <a:p>
+            <a:pPr marL="171450" indent="-171450">
+              <a:buFont typeface="Arial" panose="020B0604020202020204" pitchFamily="34" charset="0"/>
+              <a:buChar char="•"/>
+            </a:pPr>
+            <a:r>
+              <a:rPr lang="en-US" dirty="0">
+                <a:solidFill>
+                  <a:srgbClr val="000077"/>
+                </a:solidFill>
+                <a:effectLst/>
+              </a:rPr>
+              <a:t>DisplayName</a:t>
+            </a:r>
+          </a:p>
+          <a:p>
+            <a:pPr marL="171450" indent="-171450">
+              <a:buFont typeface="Arial" panose="020B0604020202020204" pitchFamily="34" charset="0"/>
+              <a:buChar char="•"/>
+            </a:pPr>
+            <a:r>
+              <a:rPr lang="en-US" dirty="0">
+                <a:solidFill>
+                  <a:srgbClr val="000077"/>
+                </a:solidFill>
+                <a:effectLst/>
+              </a:rPr>
+              <a:t>Disabled</a:t>
+            </a:r>
+            <a:endParaRPr lang="en-US" dirty="0"/>
+          </a:p>
+          <a:p>
+            <a:pPr marL="171450" indent="-171450">
+              <a:buFont typeface="Arial" panose="020B0604020202020204" pitchFamily="34" charset="0"/>
+              <a:buChar char="•"/>
+            </a:pPr>
+            <a:endParaRPr lang="en-US" dirty="0"/>
+          </a:p>
+        </p:txBody>
+      </p:sp>
+      <p:sp>
+        <p:nvSpPr>
+          <p:cNvPr id="4" name="Slide Number Placeholder 3"/>
+          <p:cNvSpPr>
+            <a:spLocks noGrp="1"/>
+          </p:cNvSpPr>
+          <p:nvPr>
+            <p:ph type="sldNum" sz="quarter" idx="5"/>
+          </p:nvPr>
+        </p:nvSpPr>
+        <p:spPr/>
+        <p:txBody>
+          <a:bodyPr/>
+          <a:lstStyle/>
+          <a:p>
+            <a:fld id="{A874FABB-6DBE-47C4-B626-20167906F475}" type="slidenum">
+              <a:rPr lang="en-US" smtClean="0"/>
+              <a:t>8</a:t>
+            </a:fld>
+            <a:endParaRPr lang="en-US"/>
+          </a:p>
+        </p:txBody>
+      </p:sp>
+    </p:spTree>
+    <p:extLst>
+      <p:ext uri="{BB962C8B-B14F-4D97-AF65-F5344CB8AC3E}">
+        <p14:creationId xmlns:p14="http://schemas.microsoft.com/office/powerpoint/2010/main" val="2639294085"/>
+      </p:ext>
+    </p:extLst>
+  </p:cSld>
+  <p:clrMapOvr>
+    <a:masterClrMapping/>
+  </p:clrMapOvr>
+</p:notes>
+</file>
+
 <file path=ppt/slideLayouts/slideLayout1.xml><?xml version="1.0" encoding="utf-8"?>
 <p:sldLayout xmlns:a="http://schemas.openxmlformats.org/drawingml/2006/main" xmlns:r="http://schemas.openxmlformats.org/officeDocument/2006/relationships" xmlns:p="http://schemas.openxmlformats.org/presentationml/2006/main" preserve="1" userDrawn="1">
   <p:cSld name="Cover">
@@ -9508,7 +9639,7 @@
           </a:ln>
           <a:extLst>
             <a:ext uri="{C572A759-6A51-4108-AA02-DFA0A04FC94B}">
-              <ma14:wrappingTextBoxFlag xmlns="" xmlns:ma14="http://schemas.microsoft.com/office/mac/drawingml/2011/main" val="1"/>
+              <ma14:wrappingTextBoxFlag xmlns:ma14="http://schemas.microsoft.com/office/mac/drawingml/2011/main" xmlns="" val="1"/>
             </a:ext>
           </a:extLst>
         </p:spPr>
@@ -21692,6 +21823,36 @@
     <p:extLst>
       <p:ext uri="{BB962C8B-B14F-4D97-AF65-F5344CB8AC3E}">
         <p14:creationId xmlns:p14="http://schemas.microsoft.com/office/powerpoint/2010/main" val="1733196742"/>
+      </p:ext>
+    </p:extLst>
+  </p:cSld>
+  <p:clrMapOvr>
+    <a:masterClrMapping/>
+  </p:clrMapOvr>
+</p:sld>
+</file>
+
+<file path=ppt/slides/slide10.xml><?xml version="1.0" encoding="utf-8"?>
+<p:sld xmlns:a="http://schemas.openxmlformats.org/drawingml/2006/main" xmlns:r="http://schemas.openxmlformats.org/officeDocument/2006/relationships" xmlns:p="http://schemas.openxmlformats.org/presentationml/2006/main">
+  <p:cSld>
+    <p:spTree>
+      <p:nvGrpSpPr>
+        <p:cNvPr id="1" name=""/>
+        <p:cNvGrpSpPr/>
+        <p:nvPr/>
+      </p:nvGrpSpPr>
+      <p:grpSpPr>
+        <a:xfrm>
+          <a:off x="0" y="0"/>
+          <a:ext cx="0" cy="0"/>
+          <a:chOff x="0" y="0"/>
+          <a:chExt cx="0" cy="0"/>
+        </a:xfrm>
+      </p:grpSpPr>
+    </p:spTree>
+    <p:extLst>
+      <p:ext uri="{BB962C8B-B14F-4D97-AF65-F5344CB8AC3E}">
+        <p14:creationId xmlns:p14="http://schemas.microsoft.com/office/powerpoint/2010/main" val="938711767"/>
       </p:ext>
     </p:extLst>
   </p:cSld>
@@ -24817,6 +24978,101 @@
       </p:grpSpPr>
       <p:sp>
         <p:nvSpPr>
+          <p:cNvPr id="2" name="Slide Number Placeholder 1">
+            <a:extLst>
+              <a:ext uri="{FF2B5EF4-FFF2-40B4-BE49-F238E27FC236}">
+                <a16:creationId xmlns:a16="http://schemas.microsoft.com/office/drawing/2014/main" id="{F8A98626-1416-45BF-9D85-1D992DD3FC37}"/>
+              </a:ext>
+            </a:extLst>
+          </p:cNvPr>
+          <p:cNvSpPr>
+            <a:spLocks noGrp="1"/>
+          </p:cNvSpPr>
+          <p:nvPr>
+            <p:ph type="sldNum" sz="quarter" idx="4"/>
+          </p:nvPr>
+        </p:nvSpPr>
+        <p:spPr/>
+        <p:txBody>
+          <a:bodyPr/>
+          <a:lstStyle/>
+          <a:p>
+            <a:fld id="{3A707DD9-E92B-45E8-BE0A-E6B2EDF345EB}" type="slidenum">
+              <a:rPr lang="en-US" smtClean="0"/>
+              <a:pPr/>
+              <a:t>8</a:t>
+            </a:fld>
+            <a:endParaRPr lang="en-US" dirty="0"/>
+          </a:p>
+        </p:txBody>
+      </p:sp>
+      <p:sp>
+        <p:nvSpPr>
+          <p:cNvPr id="3" name="TextBox 2">
+            <a:extLst>
+              <a:ext uri="{FF2B5EF4-FFF2-40B4-BE49-F238E27FC236}">
+                <a16:creationId xmlns:a16="http://schemas.microsoft.com/office/drawing/2014/main" id="{B4A5174A-8A02-408B-94BA-E3EA0EE857D0}"/>
+              </a:ext>
+            </a:extLst>
+          </p:cNvPr>
+          <p:cNvSpPr txBox="1"/>
+          <p:nvPr/>
+        </p:nvSpPr>
+        <p:spPr>
+          <a:xfrm>
+            <a:off x="3400045" y="2279363"/>
+            <a:ext cx="2343911" cy="584775"/>
+          </a:xfrm>
+          <a:prstGeom prst="rect">
+            <a:avLst/>
+          </a:prstGeom>
+          <a:noFill/>
+        </p:spPr>
+        <p:txBody>
+          <a:bodyPr wrap="none" rtlCol="0">
+            <a:spAutoFit/>
+          </a:bodyPr>
+          <a:lstStyle/>
+          <a:p>
+            <a:r>
+              <a:rPr lang="en-US" sz="3200" dirty="0"/>
+              <a:t>DEMO TIME!</a:t>
+            </a:r>
+          </a:p>
+        </p:txBody>
+      </p:sp>
+    </p:spTree>
+    <p:extLst>
+      <p:ext uri="{BB962C8B-B14F-4D97-AF65-F5344CB8AC3E}">
+        <p14:creationId xmlns:p14="http://schemas.microsoft.com/office/powerpoint/2010/main" val="2217602076"/>
+      </p:ext>
+    </p:extLst>
+  </p:cSld>
+  <p:clrMapOvr>
+    <a:masterClrMapping/>
+  </p:clrMapOvr>
+</p:sld>
+</file>
+
+<file path=ppt/slides/slide9.xml><?xml version="1.0" encoding="utf-8"?>
+<p:sld xmlns:a="http://schemas.openxmlformats.org/drawingml/2006/main" xmlns:r="http://schemas.openxmlformats.org/officeDocument/2006/relationships" xmlns:p="http://schemas.openxmlformats.org/presentationml/2006/main">
+  <p:cSld>
+    <p:spTree>
+      <p:nvGrpSpPr>
+        <p:cNvPr id="1" name=""/>
+        <p:cNvGrpSpPr/>
+        <p:nvPr/>
+      </p:nvGrpSpPr>
+      <p:grpSpPr>
+        <a:xfrm>
+          <a:off x="0" y="0"/>
+          <a:ext cx="0" cy="0"/>
+          <a:chOff x="0" y="0"/>
+          <a:chExt cx="0" cy="0"/>
+        </a:xfrm>
+      </p:grpSpPr>
+      <p:sp>
+        <p:nvSpPr>
           <p:cNvPr id="3" name="Title 2">
             <a:extLst>
               <a:ext uri="{FF2B5EF4-FFF2-40B4-BE49-F238E27FC236}">
@@ -24875,7 +25131,7 @@
             <a:fld id="{3A707DD9-E92B-45E8-BE0A-E6B2EDF345EB}" type="slidenum">
               <a:rPr lang="en-US" smtClean="0"/>
               <a:pPr/>
-              <a:t>8</a:t>
+              <a:t>9</a:t>
             </a:fld>
             <a:endParaRPr lang="en-US" dirty="0"/>
           </a:p>
